--- a/livrables/Oral/Presentation_Tim.pptx
+++ b/livrables/Oral/Presentation_Tim.pptx
@@ -11,8 +11,8 @@
     <p:sldId id="256" r:id="rId2"/>
     <p:sldId id="257" r:id="rId3"/>
     <p:sldId id="258" r:id="rId4"/>
-    <p:sldId id="259" r:id="rId5"/>
-    <p:sldId id="260" r:id="rId6"/>
+    <p:sldId id="265" r:id="rId5"/>
+    <p:sldId id="259" r:id="rId6"/>
     <p:sldId id="261" r:id="rId7"/>
     <p:sldId id="262" r:id="rId8"/>
     <p:sldId id="263" r:id="rId9"/>
@@ -206,7 +206,8 @@
           <a:p>
             <a:fld id="{ACE0A8D2-FD27-4D4F-B639-792037EA8B5A}" type="datetimeFigureOut">
               <a:rPr lang="fr-FR" smtClean="0"/>
-              <a:t>05/06/2017</a:t>
+              <a:pPr/>
+              <a:t>12/06/2017</a:t>
             </a:fld>
             <a:endParaRPr lang="fr-FR" dirty="0"/>
           </a:p>
@@ -367,6 +368,7 @@
           <a:p>
             <a:fld id="{54A779BA-4E2E-4B2A-8100-2407377205C8}" type="slidenum">
               <a:rPr lang="fr-FR" smtClean="0"/>
+              <a:pPr/>
               <a:t>‹N°›</a:t>
             </a:fld>
             <a:endParaRPr lang="fr-FR" dirty="0"/>
@@ -538,6 +540,7 @@
           <a:p>
             <a:fld id="{54A779BA-4E2E-4B2A-8100-2407377205C8}" type="slidenum">
               <a:rPr lang="fr-FR" smtClean="0"/>
+              <a:pPr/>
               <a:t>2</a:t>
             </a:fld>
             <a:endParaRPr lang="fr-FR" dirty="0"/>
@@ -695,7 +698,8 @@
           <a:p>
             <a:fld id="{63061A50-F5F5-4901-9E64-6355DCF45617}" type="datetimeFigureOut">
               <a:rPr lang="fr-FR" smtClean="0"/>
-              <a:t>05/06/2017</a:t>
+              <a:pPr/>
+              <a:t>12/06/2017</a:t>
             </a:fld>
             <a:endParaRPr lang="fr-FR" dirty="0"/>
           </a:p>
@@ -747,6 +751,7 @@
           <a:p>
             <a:fld id="{CA6A6337-A85F-434F-BFFD-5E2D86DF26BC}" type="slidenum">
               <a:rPr lang="fr-FR" smtClean="0"/>
+              <a:pPr/>
               <a:t>‹N°›</a:t>
             </a:fld>
             <a:endParaRPr lang="fr-FR" dirty="0"/>
@@ -1054,7 +1059,8 @@
           <a:p>
             <a:fld id="{63061A50-F5F5-4901-9E64-6355DCF45617}" type="datetimeFigureOut">
               <a:rPr lang="fr-FR" smtClean="0"/>
-              <a:t>05/06/2017</a:t>
+              <a:pPr/>
+              <a:t>12/06/2017</a:t>
             </a:fld>
             <a:endParaRPr lang="fr-FR" dirty="0"/>
           </a:p>
@@ -1096,6 +1102,7 @@
           <a:p>
             <a:fld id="{CA6A6337-A85F-434F-BFFD-5E2D86DF26BC}" type="slidenum">
               <a:rPr lang="fr-FR" smtClean="0"/>
+              <a:pPr/>
               <a:t>‹N°›</a:t>
             </a:fld>
             <a:endParaRPr lang="fr-FR" dirty="0"/>
@@ -1229,7 +1236,8 @@
           <a:p>
             <a:fld id="{63061A50-F5F5-4901-9E64-6355DCF45617}" type="datetimeFigureOut">
               <a:rPr lang="fr-FR" smtClean="0"/>
-              <a:t>05/06/2017</a:t>
+              <a:pPr/>
+              <a:t>12/06/2017</a:t>
             </a:fld>
             <a:endParaRPr lang="fr-FR" dirty="0"/>
           </a:p>
@@ -1271,6 +1279,7 @@
           <a:p>
             <a:fld id="{CA6A6337-A85F-434F-BFFD-5E2D86DF26BC}" type="slidenum">
               <a:rPr lang="fr-FR" smtClean="0"/>
+              <a:pPr/>
               <a:t>‹N°›</a:t>
             </a:fld>
             <a:endParaRPr lang="fr-FR" dirty="0"/>
@@ -1464,7 +1473,8 @@
           <a:p>
             <a:fld id="{63061A50-F5F5-4901-9E64-6355DCF45617}" type="datetimeFigureOut">
               <a:rPr lang="fr-FR" smtClean="0"/>
-              <a:t>05/06/2017</a:t>
+              <a:pPr/>
+              <a:t>12/06/2017</a:t>
             </a:fld>
             <a:endParaRPr lang="fr-FR" dirty="0"/>
           </a:p>
@@ -1506,6 +1516,7 @@
           <a:p>
             <a:fld id="{CA6A6337-A85F-434F-BFFD-5E2D86DF26BC}" type="slidenum">
               <a:rPr lang="fr-FR" smtClean="0"/>
+              <a:pPr/>
               <a:t>‹N°›</a:t>
             </a:fld>
             <a:endParaRPr lang="fr-FR" dirty="0"/>
@@ -1733,7 +1744,8 @@
           <a:p>
             <a:fld id="{63061A50-F5F5-4901-9E64-6355DCF45617}" type="datetimeFigureOut">
               <a:rPr lang="fr-FR" smtClean="0"/>
-              <a:t>05/06/2017</a:t>
+              <a:pPr/>
+              <a:t>12/06/2017</a:t>
             </a:fld>
             <a:endParaRPr lang="fr-FR" dirty="0"/>
           </a:p>
@@ -1785,6 +1797,7 @@
           <a:p>
             <a:fld id="{CA6A6337-A85F-434F-BFFD-5E2D86DF26BC}" type="slidenum">
               <a:rPr lang="fr-FR" smtClean="0"/>
+              <a:pPr/>
               <a:t>‹N°›</a:t>
             </a:fld>
             <a:endParaRPr lang="fr-FR" dirty="0"/>
@@ -1953,7 +1966,8 @@
           <a:p>
             <a:fld id="{63061A50-F5F5-4901-9E64-6355DCF45617}" type="datetimeFigureOut">
               <a:rPr lang="fr-FR" smtClean="0"/>
-              <a:t>05/06/2017</a:t>
+              <a:pPr/>
+              <a:t>12/06/2017</a:t>
             </a:fld>
             <a:endParaRPr lang="fr-FR" dirty="0"/>
           </a:p>
@@ -1995,6 +2009,7 @@
           <a:p>
             <a:fld id="{CA6A6337-A85F-434F-BFFD-5E2D86DF26BC}" type="slidenum">
               <a:rPr lang="fr-FR" smtClean="0"/>
+              <a:pPr/>
               <a:t>‹N°›</a:t>
             </a:fld>
             <a:endParaRPr lang="fr-FR" dirty="0"/>
@@ -2305,7 +2320,8 @@
           <a:p>
             <a:fld id="{63061A50-F5F5-4901-9E64-6355DCF45617}" type="datetimeFigureOut">
               <a:rPr lang="fr-FR" smtClean="0"/>
-              <a:t>05/06/2017</a:t>
+              <a:pPr/>
+              <a:t>12/06/2017</a:t>
             </a:fld>
             <a:endParaRPr lang="fr-FR" dirty="0"/>
           </a:p>
@@ -2347,6 +2363,7 @@
           <a:p>
             <a:fld id="{CA6A6337-A85F-434F-BFFD-5E2D86DF26BC}" type="slidenum">
               <a:rPr lang="fr-FR" smtClean="0"/>
+              <a:pPr/>
               <a:t>‹N°›</a:t>
             </a:fld>
             <a:endParaRPr lang="fr-FR" dirty="0"/>
@@ -2537,7 +2554,8 @@
           <a:p>
             <a:fld id="{63061A50-F5F5-4901-9E64-6355DCF45617}" type="datetimeFigureOut">
               <a:rPr lang="fr-FR" smtClean="0"/>
-              <a:t>05/06/2017</a:t>
+              <a:pPr/>
+              <a:t>12/06/2017</a:t>
             </a:fld>
             <a:endParaRPr lang="fr-FR" dirty="0"/>
           </a:p>
@@ -2579,6 +2597,7 @@
           <a:p>
             <a:fld id="{CA6A6337-A85F-434F-BFFD-5E2D86DF26BC}" type="slidenum">
               <a:rPr lang="fr-FR" smtClean="0"/>
+              <a:pPr/>
               <a:t>‹N°›</a:t>
             </a:fld>
             <a:endParaRPr lang="fr-FR" dirty="0"/>
@@ -2677,7 +2696,8 @@
           <a:p>
             <a:fld id="{63061A50-F5F5-4901-9E64-6355DCF45617}" type="datetimeFigureOut">
               <a:rPr lang="fr-FR" smtClean="0"/>
-              <a:t>05/06/2017</a:t>
+              <a:pPr/>
+              <a:t>12/06/2017</a:t>
             </a:fld>
             <a:endParaRPr lang="fr-FR" dirty="0"/>
           </a:p>
@@ -2719,6 +2739,7 @@
           <a:p>
             <a:fld id="{CA6A6337-A85F-434F-BFFD-5E2D86DF26BC}" type="slidenum">
               <a:rPr lang="fr-FR" smtClean="0"/>
+              <a:pPr/>
               <a:t>‹N°›</a:t>
             </a:fld>
             <a:endParaRPr lang="fr-FR" dirty="0"/>
@@ -2954,7 +2975,8 @@
           <a:p>
             <a:fld id="{63061A50-F5F5-4901-9E64-6355DCF45617}" type="datetimeFigureOut">
               <a:rPr lang="fr-FR" smtClean="0"/>
-              <a:t>05/06/2017</a:t>
+              <a:pPr/>
+              <a:t>12/06/2017</a:t>
             </a:fld>
             <a:endParaRPr lang="fr-FR" dirty="0"/>
           </a:p>
@@ -2996,6 +3018,7 @@
           <a:p>
             <a:fld id="{CA6A6337-A85F-434F-BFFD-5E2D86DF26BC}" type="slidenum">
               <a:rPr lang="fr-FR" smtClean="0"/>
+              <a:pPr/>
               <a:t>‹N°›</a:t>
             </a:fld>
             <a:endParaRPr lang="fr-FR" dirty="0"/>
@@ -3361,7 +3384,8 @@
           <a:p>
             <a:fld id="{63061A50-F5F5-4901-9E64-6355DCF45617}" type="datetimeFigureOut">
               <a:rPr lang="fr-FR" smtClean="0"/>
-              <a:t>05/06/2017</a:t>
+              <a:pPr/>
+              <a:t>12/06/2017</a:t>
             </a:fld>
             <a:endParaRPr lang="fr-FR" dirty="0"/>
           </a:p>
@@ -3403,6 +3427,7 @@
           <a:p>
             <a:fld id="{CA6A6337-A85F-434F-BFFD-5E2D86DF26BC}" type="slidenum">
               <a:rPr lang="fr-FR" smtClean="0"/>
+              <a:pPr/>
               <a:t>‹N°›</a:t>
             </a:fld>
             <a:endParaRPr lang="fr-FR" dirty="0"/>
@@ -3699,7 +3724,8 @@
           <a:p>
             <a:fld id="{63061A50-F5F5-4901-9E64-6355DCF45617}" type="datetimeFigureOut">
               <a:rPr lang="fr-FR" smtClean="0"/>
-              <a:t>05/06/2017</a:t>
+              <a:pPr/>
+              <a:t>12/06/2017</a:t>
             </a:fld>
             <a:endParaRPr lang="fr-FR" dirty="0"/>
           </a:p>
@@ -3773,6 +3799,7 @@
           <a:p>
             <a:fld id="{CA6A6337-A85F-434F-BFFD-5E2D86DF26BC}" type="slidenum">
               <a:rPr lang="fr-FR" smtClean="0"/>
+              <a:pPr/>
               <a:t>‹N°›</a:t>
             </a:fld>
             <a:endParaRPr lang="fr-FR" dirty="0"/>
@@ -4364,18 +4391,13 @@
             </a:pPr>
             <a:r>
               <a:rPr lang="fr-FR" dirty="0" smtClean="0"/>
-              <a:t>Détection de contours</a:t>
-            </a:r>
-          </a:p>
-          <a:p>
-            <a:pPr marL="845820" lvl="1" indent="-571500">
-              <a:buFont typeface="+mj-lt"/>
-              <a:buAutoNum type="alphaUcPeriod"/>
-            </a:pPr>
+              <a:t>Détection de </a:t>
+            </a:r>
             <a:r>
               <a:rPr lang="fr-FR" dirty="0" smtClean="0"/>
-              <a:t>Segmentation de ces contours</a:t>
-            </a:r>
+              <a:t>contours</a:t>
+            </a:r>
+            <a:endParaRPr lang="fr-FR" dirty="0" smtClean="0"/>
           </a:p>
           <a:p>
             <a:pPr marL="845820" lvl="1" indent="-571500">
@@ -4466,66 +4488,35 @@
           <a:p>
             <a:r>
               <a:rPr lang="fr-FR" dirty="0" smtClean="0"/>
-              <a:t>Une méthode de contours</a:t>
-            </a:r>
+              <a:t>Une méthode passive</a:t>
+            </a:r>
+          </a:p>
+          <a:p>
+            <a:endParaRPr lang="fr-FR" dirty="0" smtClean="0"/>
+          </a:p>
+          <a:p>
+            <a:endParaRPr lang="fr-FR" dirty="0" smtClean="0"/>
+          </a:p>
+          <a:p>
+            <a:endParaRPr lang="fr-FR" dirty="0" smtClean="0"/>
           </a:p>
           <a:p>
             <a:r>
               <a:rPr lang="fr-FR" dirty="0" smtClean="0"/>
-              <a:t>Qu’est-ce qu’une enveloppe visuelle ?</a:t>
-            </a:r>
-            <a:endParaRPr lang="fr-FR" dirty="0"/>
-          </a:p>
-        </p:txBody>
-      </p:sp>
-      <p:pic>
-        <p:nvPicPr>
-          <p:cNvPr id="4" name="Image 3" descr="SilhouetteCones.jpg"/>
-          <p:cNvPicPr>
-            <a:picLocks noChangeAspect="1"/>
-          </p:cNvPicPr>
-          <p:nvPr/>
-        </p:nvPicPr>
-        <p:blipFill>
-          <a:blip r:embed="rId2"/>
-          <a:stretch>
-            <a:fillRect/>
-          </a:stretch>
-        </p:blipFill>
-        <p:spPr>
-          <a:xfrm>
-            <a:off x="1357290" y="2428868"/>
-            <a:ext cx="2581276" cy="1935957"/>
-          </a:xfrm>
-          <a:prstGeom prst="rect">
-            <a:avLst/>
-          </a:prstGeom>
-        </p:spPr>
-      </p:pic>
-      <p:pic>
-        <p:nvPicPr>
-          <p:cNvPr id="5" name="Image 4" descr="VisualHull.jpg"/>
-          <p:cNvPicPr>
-            <a:picLocks noChangeAspect="1"/>
-          </p:cNvPicPr>
-          <p:nvPr/>
-        </p:nvPicPr>
-        <p:blipFill>
-          <a:blip r:embed="rId3"/>
-          <a:stretch>
-            <a:fillRect/>
-          </a:stretch>
-        </p:blipFill>
-        <p:spPr>
-          <a:xfrm>
-            <a:off x="4000496" y="2428868"/>
-            <a:ext cx="2952771" cy="2214578"/>
-          </a:xfrm>
-          <a:prstGeom prst="rect">
-            <a:avLst/>
-          </a:prstGeom>
-        </p:spPr>
-      </p:pic>
+              <a:t>Une </a:t>
+            </a:r>
+            <a:r>
+              <a:rPr lang="fr-FR" dirty="0" smtClean="0"/>
+              <a:t>méthode de </a:t>
+            </a:r>
+            <a:r>
+              <a:rPr lang="fr-FR" dirty="0" smtClean="0"/>
+              <a:t>contours</a:t>
+            </a:r>
+            <a:endParaRPr lang="fr-FR" dirty="0" smtClean="0"/>
+          </a:p>
+        </p:txBody>
+      </p:sp>
     </p:spTree>
   </p:cSld>
   <p:clrMapOvr>
@@ -4570,76 +4561,586 @@
           <a:p>
             <a:r>
               <a:rPr lang="fr-FR" dirty="0" smtClean="0"/>
-              <a:t>A.La</a:t>
-            </a:r>
+              <a:t>Qu’est-ce qu’une enveloppe visuelle?</a:t>
+            </a:r>
+            <a:endParaRPr lang="fr-FR" dirty="0"/>
+          </a:p>
+        </p:txBody>
+      </p:sp>
+      <p:sp>
+        <p:nvSpPr>
+          <p:cNvPr id="3" name="Espace réservé du contenu 2"/>
+          <p:cNvSpPr>
+            <a:spLocks noGrp="1"/>
+          </p:cNvSpPr>
+          <p:nvPr>
+            <p:ph sz="quarter" idx="1"/>
+          </p:nvPr>
+        </p:nvSpPr>
+        <p:spPr/>
+        <p:txBody>
+          <a:bodyPr/>
+          <a:lstStyle/>
+          <a:p>
             <a:r>
               <a:rPr lang="fr-FR" dirty="0" smtClean="0"/>
-              <a:t> détection des contours</a:t>
-            </a:r>
-            <a:endParaRPr lang="fr-FR" dirty="0"/>
-          </a:p>
-        </p:txBody>
-      </p:sp>
-      <p:sp>
-        <p:nvSpPr>
-          <p:cNvPr id="3" name="Espace réservé du contenu 2"/>
-          <p:cNvSpPr>
-            <a:spLocks noGrp="1"/>
-          </p:cNvSpPr>
-          <p:nvPr>
-            <p:ph sz="quarter" idx="1"/>
-          </p:nvPr>
-        </p:nvSpPr>
-        <p:spPr/>
-        <p:txBody>
-          <a:bodyPr/>
-          <a:lstStyle/>
+              <a:t>Définition : objet maximal donnant la même silhouette depuis un ensemble de points de vues donnés</a:t>
+            </a:r>
+          </a:p>
           <a:p>
             <a:r>
               <a:rPr lang="fr-FR" dirty="0" smtClean="0"/>
-              <a:t>Permet d’obtenir une image ne présentant que des contours</a:t>
-            </a:r>
+              <a:t>Depuis un point de vue : un cône</a:t>
+            </a:r>
+          </a:p>
+          <a:p>
+            <a:endParaRPr lang="fr-FR" dirty="0" smtClean="0"/>
+          </a:p>
+          <a:p>
+            <a:endParaRPr lang="fr-FR" dirty="0" smtClean="0"/>
+          </a:p>
+          <a:p>
+            <a:endParaRPr lang="fr-FR" dirty="0" smtClean="0"/>
           </a:p>
           <a:p>
             <a:r>
               <a:rPr lang="fr-FR" dirty="0" smtClean="0"/>
-              <a:t>Nombreuses méthodes : par exemple, un gradient discret	</a:t>
-            </a:r>
-          </a:p>
-          <a:p>
-            <a:endParaRPr lang="fr-FR" dirty="0"/>
+              <a:t>Depuis plusieurs points de vues : intersection des cônes</a:t>
+            </a:r>
           </a:p>
         </p:txBody>
       </p:sp>
       <p:pic>
         <p:nvPicPr>
-          <p:cNvPr id="5" name="Image 4" descr="Détection de contours.PNG"/>
+          <p:cNvPr id="4" name="Image 3" descr="Schemas1.png"/>
           <p:cNvPicPr>
             <a:picLocks noChangeAspect="1"/>
           </p:cNvPicPr>
           <p:nvPr/>
         </p:nvPicPr>
         <p:blipFill>
-          <a:blip r:embed="rId2"/>
+          <a:blip r:embed="rId2" cstate="print"/>
           <a:stretch>
             <a:fillRect/>
           </a:stretch>
         </p:blipFill>
         <p:spPr>
           <a:xfrm>
-            <a:off x="1285852" y="3357562"/>
-            <a:ext cx="6110790" cy="2383880"/>
+            <a:off x="1043608" y="2636912"/>
+            <a:ext cx="1728193" cy="1296145"/>
           </a:xfrm>
           <a:prstGeom prst="rect">
             <a:avLst/>
           </a:prstGeom>
+          <a:ln>
+            <a:solidFill>
+              <a:schemeClr val="bg1">
+                <a:lumMod val="50000"/>
+              </a:schemeClr>
+            </a:solidFill>
+          </a:ln>
         </p:spPr>
       </p:pic>
+      <p:pic>
+        <p:nvPicPr>
+          <p:cNvPr id="5" name="Image 4" descr="SchemasR2photo.png"/>
+          <p:cNvPicPr>
+            <a:picLocks noChangeAspect="1"/>
+          </p:cNvPicPr>
+          <p:nvPr/>
+        </p:nvPicPr>
+        <p:blipFill>
+          <a:blip r:embed="rId3" cstate="print"/>
+          <a:stretch>
+            <a:fillRect/>
+          </a:stretch>
+        </p:blipFill>
+        <p:spPr>
+          <a:xfrm>
+            <a:off x="3707904" y="4653136"/>
+            <a:ext cx="1728000" cy="1296000"/>
+          </a:xfrm>
+          <a:prstGeom prst="rect">
+            <a:avLst/>
+          </a:prstGeom>
+          <a:ln>
+            <a:solidFill>
+              <a:schemeClr val="bg1">
+                <a:lumMod val="50000"/>
+              </a:schemeClr>
+            </a:solidFill>
+          </a:ln>
+        </p:spPr>
+      </p:pic>
+      <p:pic>
+        <p:nvPicPr>
+          <p:cNvPr id="6" name="Image 5" descr="SchemasR1photo.png"/>
+          <p:cNvPicPr>
+            <a:picLocks noChangeAspect="1"/>
+          </p:cNvPicPr>
+          <p:nvPr/>
+        </p:nvPicPr>
+        <p:blipFill>
+          <a:blip r:embed="rId4" cstate="print"/>
+          <a:stretch>
+            <a:fillRect/>
+          </a:stretch>
+        </p:blipFill>
+        <p:spPr>
+          <a:xfrm>
+            <a:off x="3707904" y="2636912"/>
+            <a:ext cx="1728192" cy="1296144"/>
+          </a:xfrm>
+          <a:prstGeom prst="rect">
+            <a:avLst/>
+          </a:prstGeom>
+          <a:ln>
+            <a:solidFill>
+              <a:schemeClr val="bg1">
+                <a:lumMod val="50000"/>
+              </a:schemeClr>
+            </a:solidFill>
+          </a:ln>
+        </p:spPr>
+      </p:pic>
+      <p:pic>
+        <p:nvPicPr>
+          <p:cNvPr id="7" name="Image 6" descr="SchemasR1env.png"/>
+          <p:cNvPicPr>
+            <a:picLocks noChangeAspect="1"/>
+          </p:cNvPicPr>
+          <p:nvPr/>
+        </p:nvPicPr>
+        <p:blipFill>
+          <a:blip r:embed="rId5" cstate="print"/>
+          <a:stretch>
+            <a:fillRect/>
+          </a:stretch>
+        </p:blipFill>
+        <p:spPr>
+          <a:xfrm>
+            <a:off x="6516216" y="2636912"/>
+            <a:ext cx="1728000" cy="1296000"/>
+          </a:xfrm>
+          <a:prstGeom prst="rect">
+            <a:avLst/>
+          </a:prstGeom>
+          <a:ln>
+            <a:solidFill>
+              <a:schemeClr val="bg1">
+                <a:lumMod val="50000"/>
+              </a:schemeClr>
+            </a:solidFill>
+          </a:ln>
+        </p:spPr>
+      </p:pic>
+      <p:pic>
+        <p:nvPicPr>
+          <p:cNvPr id="8" name="Image 7" descr="SchemasR2env.png"/>
+          <p:cNvPicPr>
+            <a:picLocks noChangeAspect="1"/>
+          </p:cNvPicPr>
+          <p:nvPr/>
+        </p:nvPicPr>
+        <p:blipFill>
+          <a:blip r:embed="rId6" cstate="print"/>
+          <a:stretch>
+            <a:fillRect/>
+          </a:stretch>
+        </p:blipFill>
+        <p:spPr>
+          <a:xfrm>
+            <a:off x="6516216" y="4653136"/>
+            <a:ext cx="1728000" cy="1296000"/>
+          </a:xfrm>
+          <a:prstGeom prst="rect">
+            <a:avLst/>
+          </a:prstGeom>
+          <a:ln>
+            <a:solidFill>
+              <a:schemeClr val="bg1">
+                <a:lumMod val="50000"/>
+              </a:schemeClr>
+            </a:solidFill>
+          </a:ln>
+        </p:spPr>
+      </p:pic>
+      <p:pic>
+        <p:nvPicPr>
+          <p:cNvPr id="9" name="Image 8" descr="Schemas1.png"/>
+          <p:cNvPicPr>
+            <a:picLocks noChangeAspect="1"/>
+          </p:cNvPicPr>
+          <p:nvPr/>
+        </p:nvPicPr>
+        <p:blipFill>
+          <a:blip r:embed="rId2" cstate="print"/>
+          <a:stretch>
+            <a:fillRect/>
+          </a:stretch>
+        </p:blipFill>
+        <p:spPr>
+          <a:xfrm>
+            <a:off x="1043608" y="4653136"/>
+            <a:ext cx="1728000" cy="1296000"/>
+          </a:xfrm>
+          <a:prstGeom prst="rect">
+            <a:avLst/>
+          </a:prstGeom>
+          <a:ln>
+            <a:solidFill>
+              <a:schemeClr val="bg1">
+                <a:lumMod val="50000"/>
+              </a:schemeClr>
+            </a:solidFill>
+          </a:ln>
+        </p:spPr>
+      </p:pic>
+      <p:sp>
+        <p:nvSpPr>
+          <p:cNvPr id="12" name="Flèche droite 11"/>
+          <p:cNvSpPr/>
+          <p:nvPr/>
+        </p:nvSpPr>
+        <p:spPr>
+          <a:xfrm>
+            <a:off x="2843808" y="3068960"/>
+            <a:ext cx="792088" cy="432048"/>
+          </a:xfrm>
+          <a:prstGeom prst="rightArrow">
+            <a:avLst/>
+          </a:prstGeom>
+        </p:spPr>
+        <p:style>
+          <a:lnRef idx="2">
+            <a:schemeClr val="accent1">
+              <a:shade val="50000"/>
+            </a:schemeClr>
+          </a:lnRef>
+          <a:fillRef idx="1">
+            <a:schemeClr val="accent1"/>
+          </a:fillRef>
+          <a:effectRef idx="0">
+            <a:schemeClr val="accent1"/>
+          </a:effectRef>
+          <a:fontRef idx="minor">
+            <a:schemeClr val="lt1"/>
+          </a:fontRef>
+        </p:style>
+        <p:txBody>
+          <a:bodyPr rtlCol="0" anchor="ctr"/>
+          <a:lstStyle/>
+          <a:p>
+            <a:pPr algn="ctr"/>
+            <a:endParaRPr lang="fr-FR"/>
+          </a:p>
+        </p:txBody>
+      </p:sp>
+      <p:sp>
+        <p:nvSpPr>
+          <p:cNvPr id="13" name="Flèche droite 12"/>
+          <p:cNvSpPr/>
+          <p:nvPr/>
+        </p:nvSpPr>
+        <p:spPr>
+          <a:xfrm>
+            <a:off x="5580112" y="3068960"/>
+            <a:ext cx="792088" cy="432048"/>
+          </a:xfrm>
+          <a:prstGeom prst="rightArrow">
+            <a:avLst/>
+          </a:prstGeom>
+        </p:spPr>
+        <p:style>
+          <a:lnRef idx="2">
+            <a:schemeClr val="accent1">
+              <a:shade val="50000"/>
+            </a:schemeClr>
+          </a:lnRef>
+          <a:fillRef idx="1">
+            <a:schemeClr val="accent1"/>
+          </a:fillRef>
+          <a:effectRef idx="0">
+            <a:schemeClr val="accent1"/>
+          </a:effectRef>
+          <a:fontRef idx="minor">
+            <a:schemeClr val="lt1"/>
+          </a:fontRef>
+        </p:style>
+        <p:txBody>
+          <a:bodyPr rtlCol="0" anchor="ctr"/>
+          <a:lstStyle/>
+          <a:p>
+            <a:pPr algn="ctr"/>
+            <a:endParaRPr lang="fr-FR"/>
+          </a:p>
+        </p:txBody>
+      </p:sp>
+      <p:sp>
+        <p:nvSpPr>
+          <p:cNvPr id="14" name="Flèche droite 13"/>
+          <p:cNvSpPr/>
+          <p:nvPr/>
+        </p:nvSpPr>
+        <p:spPr>
+          <a:xfrm>
+            <a:off x="2843808" y="5013176"/>
+            <a:ext cx="792088" cy="432048"/>
+          </a:xfrm>
+          <a:prstGeom prst="rightArrow">
+            <a:avLst/>
+          </a:prstGeom>
+        </p:spPr>
+        <p:style>
+          <a:lnRef idx="2">
+            <a:schemeClr val="accent1">
+              <a:shade val="50000"/>
+            </a:schemeClr>
+          </a:lnRef>
+          <a:fillRef idx="1">
+            <a:schemeClr val="accent1"/>
+          </a:fillRef>
+          <a:effectRef idx="0">
+            <a:schemeClr val="accent1"/>
+          </a:effectRef>
+          <a:fontRef idx="minor">
+            <a:schemeClr val="lt1"/>
+          </a:fontRef>
+        </p:style>
+        <p:txBody>
+          <a:bodyPr rtlCol="0" anchor="ctr"/>
+          <a:lstStyle/>
+          <a:p>
+            <a:pPr algn="ctr"/>
+            <a:endParaRPr lang="fr-FR"/>
+          </a:p>
+        </p:txBody>
+      </p:sp>
+      <p:sp>
+        <p:nvSpPr>
+          <p:cNvPr id="15" name="Flèche droite 14"/>
+          <p:cNvSpPr/>
+          <p:nvPr/>
+        </p:nvSpPr>
+        <p:spPr>
+          <a:xfrm>
+            <a:off x="5580112" y="5085184"/>
+            <a:ext cx="792088" cy="432048"/>
+          </a:xfrm>
+          <a:prstGeom prst="rightArrow">
+            <a:avLst/>
+          </a:prstGeom>
+        </p:spPr>
+        <p:style>
+          <a:lnRef idx="2">
+            <a:schemeClr val="accent1">
+              <a:shade val="50000"/>
+            </a:schemeClr>
+          </a:lnRef>
+          <a:fillRef idx="1">
+            <a:schemeClr val="accent1"/>
+          </a:fillRef>
+          <a:effectRef idx="0">
+            <a:schemeClr val="accent1"/>
+          </a:effectRef>
+          <a:fontRef idx="minor">
+            <a:schemeClr val="lt1"/>
+          </a:fontRef>
+        </p:style>
+        <p:txBody>
+          <a:bodyPr rtlCol="0" anchor="ctr"/>
+          <a:lstStyle/>
+          <a:p>
+            <a:pPr algn="ctr"/>
+            <a:endParaRPr lang="fr-FR"/>
+          </a:p>
+        </p:txBody>
+      </p:sp>
+      <p:sp>
+        <p:nvSpPr>
+          <p:cNvPr id="17" name="ZoneTexte 16"/>
+          <p:cNvSpPr txBox="1"/>
+          <p:nvPr/>
+        </p:nvSpPr>
+        <p:spPr>
+          <a:xfrm>
+            <a:off x="1115616" y="3501008"/>
+            <a:ext cx="1584176" cy="369332"/>
+          </a:xfrm>
+          <a:prstGeom prst="rect">
+            <a:avLst/>
+          </a:prstGeom>
+          <a:noFill/>
+        </p:spPr>
+        <p:txBody>
+          <a:bodyPr wrap="square" rtlCol="0">
+            <a:spAutoFit/>
+          </a:bodyPr>
+          <a:lstStyle/>
+          <a:p>
+            <a:r>
+              <a:rPr lang="fr-FR" dirty="0" smtClean="0"/>
+              <a:t>Objet original</a:t>
+            </a:r>
+            <a:endParaRPr lang="fr-FR" dirty="0"/>
+          </a:p>
+        </p:txBody>
+      </p:sp>
+      <p:sp>
+        <p:nvSpPr>
+          <p:cNvPr id="18" name="ZoneTexte 17"/>
+          <p:cNvSpPr txBox="1"/>
+          <p:nvPr/>
+        </p:nvSpPr>
+        <p:spPr>
+          <a:xfrm>
+            <a:off x="1115616" y="5517232"/>
+            <a:ext cx="1584176" cy="369332"/>
+          </a:xfrm>
+          <a:prstGeom prst="rect">
+            <a:avLst/>
+          </a:prstGeom>
+          <a:noFill/>
+        </p:spPr>
+        <p:txBody>
+          <a:bodyPr wrap="square" rtlCol="0">
+            <a:spAutoFit/>
+          </a:bodyPr>
+          <a:lstStyle/>
+          <a:p>
+            <a:r>
+              <a:rPr lang="fr-FR" dirty="0" smtClean="0"/>
+              <a:t>Objet original</a:t>
+            </a:r>
+            <a:endParaRPr lang="fr-FR" dirty="0"/>
+          </a:p>
+        </p:txBody>
+      </p:sp>
+      <p:sp>
+        <p:nvSpPr>
+          <p:cNvPr id="19" name="ZoneTexte 18"/>
+          <p:cNvSpPr txBox="1"/>
+          <p:nvPr/>
+        </p:nvSpPr>
+        <p:spPr>
+          <a:xfrm>
+            <a:off x="3851920" y="3429000"/>
+            <a:ext cx="1584176" cy="523220"/>
+          </a:xfrm>
+          <a:prstGeom prst="rect">
+            <a:avLst/>
+          </a:prstGeom>
+          <a:noFill/>
+        </p:spPr>
+        <p:txBody>
+          <a:bodyPr wrap="square" rtlCol="0">
+            <a:spAutoFit/>
+          </a:bodyPr>
+          <a:lstStyle/>
+          <a:p>
+            <a:r>
+              <a:rPr lang="fr-FR" sz="1400" dirty="0" smtClean="0"/>
+              <a:t>Le cône correspondant</a:t>
+            </a:r>
+            <a:endParaRPr lang="fr-FR" sz="1400" dirty="0"/>
+          </a:p>
+        </p:txBody>
+      </p:sp>
+      <p:sp>
+        <p:nvSpPr>
+          <p:cNvPr id="20" name="ZoneTexte 19"/>
+          <p:cNvSpPr txBox="1"/>
+          <p:nvPr/>
+        </p:nvSpPr>
+        <p:spPr>
+          <a:xfrm>
+            <a:off x="6588224" y="3429000"/>
+            <a:ext cx="1584176" cy="461665"/>
+          </a:xfrm>
+          <a:prstGeom prst="rect">
+            <a:avLst/>
+          </a:prstGeom>
+          <a:noFill/>
+        </p:spPr>
+        <p:txBody>
+          <a:bodyPr wrap="square" rtlCol="0">
+            <a:spAutoFit/>
+          </a:bodyPr>
+          <a:lstStyle/>
+          <a:p>
+            <a:r>
+              <a:rPr lang="fr-FR" sz="1200" dirty="0" smtClean="0"/>
+              <a:t>L’enveloppe visuelle correspondant à P1</a:t>
+            </a:r>
+            <a:endParaRPr lang="fr-FR" sz="1200" dirty="0"/>
+          </a:p>
+        </p:txBody>
+      </p:sp>
+      <p:sp>
+        <p:nvSpPr>
+          <p:cNvPr id="21" name="ZoneTexte 20"/>
+          <p:cNvSpPr txBox="1"/>
+          <p:nvPr/>
+        </p:nvSpPr>
+        <p:spPr>
+          <a:xfrm>
+            <a:off x="4427984" y="5517232"/>
+            <a:ext cx="1584176" cy="307777"/>
+          </a:xfrm>
+          <a:prstGeom prst="rect">
+            <a:avLst/>
+          </a:prstGeom>
+          <a:noFill/>
+        </p:spPr>
+        <p:txBody>
+          <a:bodyPr wrap="square" rtlCol="0">
+            <a:spAutoFit/>
+          </a:bodyPr>
+          <a:lstStyle/>
+          <a:p>
+            <a:r>
+              <a:rPr lang="fr-FR" sz="1400" dirty="0" smtClean="0"/>
+              <a:t>Les cônes</a:t>
+            </a:r>
+          </a:p>
+        </p:txBody>
+      </p:sp>
+      <p:sp>
+        <p:nvSpPr>
+          <p:cNvPr id="22" name="ZoneTexte 21"/>
+          <p:cNvSpPr txBox="1"/>
+          <p:nvPr/>
+        </p:nvSpPr>
+        <p:spPr>
+          <a:xfrm>
+            <a:off x="6516216" y="5445224"/>
+            <a:ext cx="1656184" cy="430887"/>
+          </a:xfrm>
+          <a:prstGeom prst="rect">
+            <a:avLst/>
+          </a:prstGeom>
+          <a:noFill/>
+        </p:spPr>
+        <p:txBody>
+          <a:bodyPr wrap="square" rtlCol="0">
+            <a:spAutoFit/>
+          </a:bodyPr>
+          <a:lstStyle/>
+          <a:p>
+            <a:r>
+              <a:rPr lang="fr-FR" sz="1100" dirty="0" smtClean="0"/>
+              <a:t>L’enveloppe visuelle correspondant à P1 et P2</a:t>
+            </a:r>
+            <a:endParaRPr lang="fr-FR" sz="1100" dirty="0"/>
+          </a:p>
+        </p:txBody>
+      </p:sp>
     </p:spTree>
   </p:cSld>
   <p:clrMapOvr>
     <a:masterClrMapping/>
   </p:clrMapOvr>
+  <p:transition/>
 </p:sld>
 </file>
 
@@ -4673,51 +5174,77 @@
         <p:spPr/>
         <p:txBody>
           <a:bodyPr>
-            <a:normAutofit/>
+            <a:normAutofit fontScale="90000"/>
           </a:bodyPr>
           <a:lstStyle/>
           <a:p>
             <a:r>
+              <a:rPr lang="fr-FR" dirty="0" err="1" smtClean="0"/>
+              <a:t>A.La</a:t>
+            </a:r>
+            <a:r>
               <a:rPr lang="fr-FR" dirty="0" smtClean="0"/>
-              <a:t>B.La</a:t>
-            </a:r>
+              <a:t> détection et segmentation des contours</a:t>
+            </a:r>
+            <a:endParaRPr lang="fr-FR" dirty="0"/>
+          </a:p>
+        </p:txBody>
+      </p:sp>
+      <p:sp>
+        <p:nvSpPr>
+          <p:cNvPr id="3" name="Espace réservé du contenu 2"/>
+          <p:cNvSpPr>
+            <a:spLocks noGrp="1"/>
+          </p:cNvSpPr>
+          <p:nvPr>
+            <p:ph sz="quarter" idx="1"/>
+          </p:nvPr>
+        </p:nvSpPr>
+        <p:spPr/>
+        <p:txBody>
+          <a:bodyPr/>
+          <a:lstStyle/>
+          <a:p>
             <a:r>
               <a:rPr lang="fr-FR" dirty="0" smtClean="0"/>
-              <a:t> segmentation</a:t>
-            </a:r>
+              <a:t>Permet d’obtenir une image ne présentant que des contours</a:t>
+            </a:r>
+          </a:p>
+          <a:p>
+            <a:r>
+              <a:rPr lang="fr-FR" dirty="0" smtClean="0"/>
+              <a:t>Nombreuses méthodes : par exemple, un gradient discret	</a:t>
+            </a:r>
+          </a:p>
+          <a:p>
             <a:endParaRPr lang="fr-FR" dirty="0"/>
           </a:p>
         </p:txBody>
       </p:sp>
-      <p:sp>
-        <p:nvSpPr>
-          <p:cNvPr id="3" name="Espace réservé du contenu 2"/>
-          <p:cNvSpPr>
-            <a:spLocks noGrp="1"/>
-          </p:cNvSpPr>
-          <p:nvPr>
-            <p:ph sz="quarter" idx="1"/>
-          </p:nvPr>
-        </p:nvSpPr>
-        <p:spPr/>
-        <p:txBody>
-          <a:bodyPr/>
-          <a:lstStyle/>
-          <a:p>
-            <a:r>
-              <a:rPr lang="fr-FR" dirty="0" smtClean="0"/>
-              <a:t>Passer du contour au polygone</a:t>
-            </a:r>
-          </a:p>
-          <a:p>
-            <a:r>
-              <a:rPr lang="fr-FR" dirty="0" smtClean="0"/>
-              <a:t>Enjeu d’efficacité du programme</a:t>
-            </a:r>
-            <a:endParaRPr lang="fr-FR" dirty="0"/>
-          </a:p>
-        </p:txBody>
-      </p:sp>
+      <p:pic>
+        <p:nvPicPr>
+          <p:cNvPr id="5" name="Image 4" descr="Détection de contours.PNG"/>
+          <p:cNvPicPr>
+            <a:picLocks noChangeAspect="1"/>
+          </p:cNvPicPr>
+          <p:nvPr/>
+        </p:nvPicPr>
+        <p:blipFill>
+          <a:blip r:embed="rId2" cstate="print"/>
+          <a:stretch>
+            <a:fillRect/>
+          </a:stretch>
+        </p:blipFill>
+        <p:spPr>
+          <a:xfrm>
+            <a:off x="1285852" y="3357562"/>
+            <a:ext cx="6110790" cy="2383880"/>
+          </a:xfrm>
+          <a:prstGeom prst="rect">
+            <a:avLst/>
+          </a:prstGeom>
+        </p:spPr>
+      </p:pic>
     </p:spTree>
   </p:cSld>
   <p:clrMapOvr>
@@ -4800,7 +5327,7 @@
           <p:nvPr/>
         </p:nvPicPr>
         <p:blipFill>
-          <a:blip r:embed="rId2"/>
+          <a:blip r:embed="rId2" cstate="print"/>
           <a:stretch>
             <a:fillRect/>
           </a:stretch>
@@ -4824,7 +5351,7 @@
           <p:nvPr/>
         </p:nvPicPr>
         <p:blipFill>
-          <a:blip r:embed="rId3"/>
+          <a:blip r:embed="rId3" cstate="print"/>
           <a:stretch>
             <a:fillRect/>
           </a:stretch>
@@ -4904,31 +5431,7 @@
           <a:p>
             <a:r>
               <a:rPr lang="fr-FR" dirty="0" smtClean="0"/>
-              <a:t>Le « </a:t>
-            </a:r>
-            <a:r>
-              <a:rPr lang="fr-FR" dirty="0" smtClean="0"/>
-              <a:t>winged</a:t>
-            </a:r>
-            <a:r>
-              <a:rPr lang="fr-FR" dirty="0" smtClean="0"/>
-              <a:t> </a:t>
-            </a:r>
-            <a:r>
-              <a:rPr lang="fr-FR" dirty="0" smtClean="0"/>
-              <a:t>edge</a:t>
-            </a:r>
-            <a:r>
-              <a:rPr lang="fr-FR" dirty="0" smtClean="0"/>
-              <a:t> </a:t>
-            </a:r>
-            <a:r>
-              <a:rPr lang="fr-FR" dirty="0" smtClean="0"/>
-              <a:t>polyhedron</a:t>
-            </a:r>
-            <a:r>
-              <a:rPr lang="fr-FR" dirty="0" smtClean="0"/>
-              <a:t> »</a:t>
+              <a:t>Le « winged edge polyhedron »</a:t>
             </a:r>
           </a:p>
           <a:p>
@@ -4970,7 +5473,7 @@
           <p:nvPr/>
         </p:nvPicPr>
         <p:blipFill>
-          <a:blip r:embed="rId2"/>
+          <a:blip r:embed="rId2" cstate="print"/>
           <a:stretch>
             <a:fillRect/>
           </a:stretch>
@@ -5092,7 +5595,7 @@
           <p:nvPr/>
         </p:nvPicPr>
         <p:blipFill>
-          <a:blip r:embed="rId2"/>
+          <a:blip r:embed="rId2" cstate="print"/>
           <a:stretch>
             <a:fillRect/>
           </a:stretch>

--- a/livrables/Oral/Presentation_Tim.pptx
+++ b/livrables/Oral/Presentation_Tim.pptx
@@ -4391,13 +4391,8 @@
             </a:pPr>
             <a:r>
               <a:rPr lang="fr-FR" dirty="0" smtClean="0"/>
-              <a:t>Détection de </a:t>
-            </a:r>
-            <a:r>
-              <a:rPr lang="fr-FR" dirty="0" smtClean="0"/>
-              <a:t>contours</a:t>
-            </a:r>
-            <a:endParaRPr lang="fr-FR" dirty="0" smtClean="0"/>
+              <a:t>Détection de contours</a:t>
+            </a:r>
           </a:p>
           <a:p>
             <a:pPr marL="845820" lvl="1" indent="-571500">
@@ -4503,17 +4498,8 @@
           <a:p>
             <a:r>
               <a:rPr lang="fr-FR" dirty="0" smtClean="0"/>
-              <a:t>Une </a:t>
-            </a:r>
-            <a:r>
-              <a:rPr lang="fr-FR" dirty="0" smtClean="0"/>
-              <a:t>méthode de </a:t>
-            </a:r>
-            <a:r>
-              <a:rPr lang="fr-FR" dirty="0" smtClean="0"/>
-              <a:t>contours</a:t>
-            </a:r>
-            <a:endParaRPr lang="fr-FR" dirty="0" smtClean="0"/>
+              <a:t>Une méthode de contours</a:t>
+            </a:r>
           </a:p>
         </p:txBody>
       </p:sp>
@@ -5223,7 +5209,7 @@
       </p:sp>
       <p:pic>
         <p:nvPicPr>
-          <p:cNvPr id="5" name="Image 4" descr="Détection de contours.PNG"/>
+          <p:cNvPr id="6" name="Image 5" descr="roller.png"/>
           <p:cNvPicPr>
             <a:picLocks noChangeAspect="1"/>
           </p:cNvPicPr>
@@ -5237,14 +5223,92 @@
         </p:blipFill>
         <p:spPr>
           <a:xfrm>
-            <a:off x="1285852" y="3357562"/>
-            <a:ext cx="6110790" cy="2383880"/>
+            <a:off x="683568" y="2708920"/>
+            <a:ext cx="3024336" cy="3024336"/>
           </a:xfrm>
           <a:prstGeom prst="rect">
             <a:avLst/>
           </a:prstGeom>
+          <a:ln>
+            <a:solidFill>
+              <a:schemeClr val="bg1">
+                <a:lumMod val="50000"/>
+              </a:schemeClr>
+            </a:solidFill>
+          </a:ln>
         </p:spPr>
       </p:pic>
+      <p:pic>
+        <p:nvPicPr>
+          <p:cNvPr id="7" name="Image 6" descr="roller_contour.jpg"/>
+          <p:cNvPicPr>
+            <a:picLocks noChangeAspect="1"/>
+          </p:cNvPicPr>
+          <p:nvPr/>
+        </p:nvPicPr>
+        <p:blipFill>
+          <a:blip r:embed="rId3" cstate="print"/>
+          <a:stretch>
+            <a:fillRect/>
+          </a:stretch>
+        </p:blipFill>
+        <p:spPr>
+          <a:xfrm>
+            <a:off x="5436096" y="2708920"/>
+            <a:ext cx="3024000" cy="3024000"/>
+          </a:xfrm>
+          <a:prstGeom prst="rect">
+            <a:avLst/>
+          </a:prstGeom>
+          <a:ln>
+            <a:solidFill>
+              <a:schemeClr val="bg1">
+                <a:lumMod val="50000"/>
+              </a:schemeClr>
+            </a:solidFill>
+          </a:ln>
+        </p:spPr>
+      </p:pic>
+      <p:sp>
+        <p:nvSpPr>
+          <p:cNvPr id="8" name="Flèche droite 7"/>
+          <p:cNvSpPr/>
+          <p:nvPr/>
+        </p:nvSpPr>
+        <p:spPr>
+          <a:xfrm>
+            <a:off x="3851920" y="3789040"/>
+            <a:ext cx="1512168" cy="576064"/>
+          </a:xfrm>
+          <a:prstGeom prst="rightArrow">
+            <a:avLst/>
+          </a:prstGeom>
+        </p:spPr>
+        <p:style>
+          <a:lnRef idx="2">
+            <a:schemeClr val="accent1">
+              <a:shade val="50000"/>
+            </a:schemeClr>
+          </a:lnRef>
+          <a:fillRef idx="1">
+            <a:schemeClr val="accent1"/>
+          </a:fillRef>
+          <a:effectRef idx="0">
+            <a:schemeClr val="accent1"/>
+          </a:effectRef>
+          <a:fontRef idx="minor">
+            <a:schemeClr val="lt1"/>
+          </a:fontRef>
+        </p:style>
+        <p:txBody>
+          <a:bodyPr rtlCol="0" anchor="ctr"/>
+          <a:lstStyle/>
+          <a:p>
+            <a:pPr algn="ctr"/>
+            <a:endParaRPr lang="fr-FR"/>
+          </a:p>
+        </p:txBody>
+      </p:sp>
     </p:spTree>
   </p:cSld>
   <p:clrMapOvr>

--- a/livrables/Oral/Presentation_Tim.pptx
+++ b/livrables/Oral/Presentation_Tim.pptx
@@ -5612,33 +5612,58 @@
         </p:nvSpPr>
         <p:spPr/>
         <p:txBody>
-          <a:bodyPr/>
+          <a:bodyPr>
+            <a:normAutofit/>
+          </a:bodyPr>
           <a:lstStyle/>
           <a:p>
             <a:r>
               <a:rPr lang="fr-FR" dirty="0" smtClean="0"/>
-              <a:t>Trouver les points d’intersection</a:t>
-            </a:r>
-          </a:p>
-          <a:p>
+              <a:t>Trouver les points </a:t>
+            </a:r>
             <a:r>
               <a:rPr lang="fr-FR" dirty="0" smtClean="0"/>
-              <a:t>Reconstruire les arêtes</a:t>
-            </a:r>
-          </a:p>
-          <a:p>
+              <a:t>d’intersection</a:t>
+            </a:r>
+          </a:p>
+          <a:p>
+            <a:pPr lvl="1"/>
+            <a:r>
+              <a:rPr lang="fr-FR" dirty="0" smtClean="0"/>
+              <a:t>Test d’intersection du segment avec le plan de la face</a:t>
+            </a:r>
+          </a:p>
+          <a:p>
+            <a:pPr lvl="1"/>
+            <a:r>
+              <a:rPr lang="fr-FR" dirty="0" smtClean="0"/>
+              <a:t>Test d’inclusion du point d’intersection dans la face (produits vectoriels successifs)</a:t>
+            </a:r>
             <a:endParaRPr lang="fr-FR" dirty="0" smtClean="0"/>
           </a:p>
           <a:p>
-            <a:endParaRPr lang="fr-FR" dirty="0" smtClean="0"/>
-          </a:p>
-          <a:p>
-            <a:endParaRPr lang="fr-FR" dirty="0" smtClean="0"/>
-          </a:p>
-          <a:p>
-            <a:endParaRPr lang="fr-FR" dirty="0" smtClean="0"/>
-          </a:p>
-          <a:p>
+            <a:r>
+              <a:rPr lang="fr-FR" dirty="0" smtClean="0"/>
+              <a:t>Reconstruire les </a:t>
+            </a:r>
+            <a:r>
+              <a:rPr lang="fr-FR" dirty="0" smtClean="0"/>
+              <a:t>arêtes</a:t>
+            </a:r>
+          </a:p>
+          <a:p>
+            <a:pPr lvl="1"/>
+            <a:r>
+              <a:rPr lang="fr-FR" dirty="0" smtClean="0"/>
+              <a:t>Les arêtes intérieures forment des graphes</a:t>
+            </a:r>
+          </a:p>
+          <a:p>
+            <a:pPr lvl="1"/>
+            <a:r>
+              <a:rPr lang="fr-FR" dirty="0" smtClean="0"/>
+              <a:t>Les arêtes de surface forment des boucles</a:t>
+            </a:r>
             <a:endParaRPr lang="fr-FR" dirty="0" smtClean="0"/>
           </a:p>
           <a:p>
@@ -5650,30 +5675,6 @@
           </a:p>
         </p:txBody>
       </p:sp>
-      <p:pic>
-        <p:nvPicPr>
-          <p:cNvPr id="4" name="Image 3" descr="IntersectionEdges.PNG"/>
-          <p:cNvPicPr>
-            <a:picLocks noChangeAspect="1"/>
-          </p:cNvPicPr>
-          <p:nvPr/>
-        </p:nvPicPr>
-        <p:blipFill>
-          <a:blip r:embed="rId2" cstate="print"/>
-          <a:stretch>
-            <a:fillRect/>
-          </a:stretch>
-        </p:blipFill>
-        <p:spPr>
-          <a:xfrm>
-            <a:off x="714348" y="2214554"/>
-            <a:ext cx="5183063" cy="2314766"/>
-          </a:xfrm>
-          <a:prstGeom prst="rect">
-            <a:avLst/>
-          </a:prstGeom>
-        </p:spPr>
-      </p:pic>
     </p:spTree>
   </p:cSld>
   <p:clrMapOvr>
@@ -5748,10 +5749,27 @@
             <a:endParaRPr lang="fr-FR" dirty="0" smtClean="0"/>
           </a:p>
           <a:p>
+            <a:endParaRPr lang="fr-FR" dirty="0" smtClean="0"/>
+          </a:p>
+          <a:p>
+            <a:endParaRPr lang="fr-FR" dirty="0" smtClean="0"/>
+          </a:p>
+          <a:p>
             <a:r>
               <a:rPr lang="fr-FR" dirty="0" smtClean="0"/>
-              <a:t>Des choix à doubles tranchants</a:t>
-            </a:r>
+              <a:t>Des choix à </a:t>
+            </a:r>
+            <a:r>
+              <a:rPr lang="fr-FR" dirty="0" smtClean="0"/>
+              <a:t>double tranchant</a:t>
+            </a:r>
+            <a:endParaRPr lang="fr-FR" dirty="0" smtClean="0"/>
+          </a:p>
+          <a:p>
+            <a:endParaRPr lang="fr-FR" dirty="0" smtClean="0"/>
+          </a:p>
+          <a:p>
+            <a:endParaRPr lang="fr-FR" dirty="0" smtClean="0"/>
           </a:p>
           <a:p>
             <a:endParaRPr lang="fr-FR" dirty="0" smtClean="0"/>

--- a/livrables/Oral/Presentation_Tim.pptx
+++ b/livrables/Oral/Presentation_Tim.pptx
@@ -207,7 +207,7 @@
             <a:fld id="{ACE0A8D2-FD27-4D4F-B639-792037EA8B5A}" type="datetimeFigureOut">
               <a:rPr lang="fr-FR" smtClean="0"/>
               <a:pPr/>
-              <a:t>12/06/2017</a:t>
+              <a:t>13/06/2017</a:t>
             </a:fld>
             <a:endParaRPr lang="fr-FR" dirty="0"/>
           </a:p>
@@ -699,7 +699,7 @@
             <a:fld id="{63061A50-F5F5-4901-9E64-6355DCF45617}" type="datetimeFigureOut">
               <a:rPr lang="fr-FR" smtClean="0"/>
               <a:pPr/>
-              <a:t>12/06/2017</a:t>
+              <a:t>13/06/2017</a:t>
             </a:fld>
             <a:endParaRPr lang="fr-FR" dirty="0"/>
           </a:p>
@@ -1060,7 +1060,7 @@
             <a:fld id="{63061A50-F5F5-4901-9E64-6355DCF45617}" type="datetimeFigureOut">
               <a:rPr lang="fr-FR" smtClean="0"/>
               <a:pPr/>
-              <a:t>12/06/2017</a:t>
+              <a:t>13/06/2017</a:t>
             </a:fld>
             <a:endParaRPr lang="fr-FR" dirty="0"/>
           </a:p>
@@ -1237,7 +1237,7 @@
             <a:fld id="{63061A50-F5F5-4901-9E64-6355DCF45617}" type="datetimeFigureOut">
               <a:rPr lang="fr-FR" smtClean="0"/>
               <a:pPr/>
-              <a:t>12/06/2017</a:t>
+              <a:t>13/06/2017</a:t>
             </a:fld>
             <a:endParaRPr lang="fr-FR" dirty="0"/>
           </a:p>
@@ -1474,7 +1474,7 @@
             <a:fld id="{63061A50-F5F5-4901-9E64-6355DCF45617}" type="datetimeFigureOut">
               <a:rPr lang="fr-FR" smtClean="0"/>
               <a:pPr/>
-              <a:t>12/06/2017</a:t>
+              <a:t>13/06/2017</a:t>
             </a:fld>
             <a:endParaRPr lang="fr-FR" dirty="0"/>
           </a:p>
@@ -1745,7 +1745,7 @@
             <a:fld id="{63061A50-F5F5-4901-9E64-6355DCF45617}" type="datetimeFigureOut">
               <a:rPr lang="fr-FR" smtClean="0"/>
               <a:pPr/>
-              <a:t>12/06/2017</a:t>
+              <a:t>13/06/2017</a:t>
             </a:fld>
             <a:endParaRPr lang="fr-FR" dirty="0"/>
           </a:p>
@@ -1967,7 +1967,7 @@
             <a:fld id="{63061A50-F5F5-4901-9E64-6355DCF45617}" type="datetimeFigureOut">
               <a:rPr lang="fr-FR" smtClean="0"/>
               <a:pPr/>
-              <a:t>12/06/2017</a:t>
+              <a:t>13/06/2017</a:t>
             </a:fld>
             <a:endParaRPr lang="fr-FR" dirty="0"/>
           </a:p>
@@ -2321,7 +2321,7 @@
             <a:fld id="{63061A50-F5F5-4901-9E64-6355DCF45617}" type="datetimeFigureOut">
               <a:rPr lang="fr-FR" smtClean="0"/>
               <a:pPr/>
-              <a:t>12/06/2017</a:t>
+              <a:t>13/06/2017</a:t>
             </a:fld>
             <a:endParaRPr lang="fr-FR" dirty="0"/>
           </a:p>
@@ -2555,7 +2555,7 @@
             <a:fld id="{63061A50-F5F5-4901-9E64-6355DCF45617}" type="datetimeFigureOut">
               <a:rPr lang="fr-FR" smtClean="0"/>
               <a:pPr/>
-              <a:t>12/06/2017</a:t>
+              <a:t>13/06/2017</a:t>
             </a:fld>
             <a:endParaRPr lang="fr-FR" dirty="0"/>
           </a:p>
@@ -2697,7 +2697,7 @@
             <a:fld id="{63061A50-F5F5-4901-9E64-6355DCF45617}" type="datetimeFigureOut">
               <a:rPr lang="fr-FR" smtClean="0"/>
               <a:pPr/>
-              <a:t>12/06/2017</a:t>
+              <a:t>13/06/2017</a:t>
             </a:fld>
             <a:endParaRPr lang="fr-FR" dirty="0"/>
           </a:p>
@@ -2976,7 +2976,7 @@
             <a:fld id="{63061A50-F5F5-4901-9E64-6355DCF45617}" type="datetimeFigureOut">
               <a:rPr lang="fr-FR" smtClean="0"/>
               <a:pPr/>
-              <a:t>12/06/2017</a:t>
+              <a:t>13/06/2017</a:t>
             </a:fld>
             <a:endParaRPr lang="fr-FR" dirty="0"/>
           </a:p>
@@ -3385,7 +3385,7 @@
             <a:fld id="{63061A50-F5F5-4901-9E64-6355DCF45617}" type="datetimeFigureOut">
               <a:rPr lang="fr-FR" smtClean="0"/>
               <a:pPr/>
-              <a:t>12/06/2017</a:t>
+              <a:t>13/06/2017</a:t>
             </a:fld>
             <a:endParaRPr lang="fr-FR" dirty="0"/>
           </a:p>
@@ -3725,7 +3725,7 @@
             <a:fld id="{63061A50-F5F5-4901-9E64-6355DCF45617}" type="datetimeFigureOut">
               <a:rPr lang="fr-FR" smtClean="0"/>
               <a:pPr/>
-              <a:t>12/06/2017</a:t>
+              <a:t>13/06/2017</a:t>
             </a:fld>
             <a:endParaRPr lang="fr-FR" dirty="0"/>
           </a:p>
@@ -4490,16 +4490,190 @@
             <a:endParaRPr lang="fr-FR" dirty="0" smtClean="0"/>
           </a:p>
           <a:p>
+            <a:pPr>
+              <a:buNone/>
+            </a:pPr>
             <a:endParaRPr lang="fr-FR" dirty="0" smtClean="0"/>
           </a:p>
           <a:p>
             <a:endParaRPr lang="fr-FR" dirty="0" smtClean="0"/>
           </a:p>
           <a:p>
+            <a:endParaRPr lang="fr-FR" dirty="0" smtClean="0"/>
+          </a:p>
+          <a:p>
             <a:r>
               <a:rPr lang="fr-FR" dirty="0" smtClean="0"/>
-              <a:t>Une méthode de contours</a:t>
-            </a:r>
+              <a:t>Une méthode de </a:t>
+            </a:r>
+            <a:r>
+              <a:rPr lang="fr-FR" dirty="0" smtClean="0"/>
+              <a:t>contours</a:t>
+            </a:r>
+          </a:p>
+          <a:p>
+            <a:pPr lvl="1"/>
+            <a:r>
+              <a:rPr lang="fr-FR" dirty="0" smtClean="0"/>
+              <a:t>Les motifs ne sont </a:t>
+            </a:r>
+            <a:r>
+              <a:rPr lang="fr-FR" smtClean="0"/>
+              <a:t>pas utilisés</a:t>
+            </a:r>
+            <a:endParaRPr lang="fr-FR" dirty="0" smtClean="0"/>
+          </a:p>
+        </p:txBody>
+      </p:sp>
+      <p:pic>
+        <p:nvPicPr>
+          <p:cNvPr id="4" name="Image 3" descr="ScanActif.jpg"/>
+          <p:cNvPicPr>
+            <a:picLocks noChangeAspect="1"/>
+          </p:cNvPicPr>
+          <p:nvPr/>
+        </p:nvPicPr>
+        <p:blipFill>
+          <a:blip r:embed="rId2" cstate="print"/>
+          <a:stretch>
+            <a:fillRect/>
+          </a:stretch>
+        </p:blipFill>
+        <p:spPr>
+          <a:xfrm>
+            <a:off x="1547664" y="1772816"/>
+            <a:ext cx="1871477" cy="1440160"/>
+          </a:xfrm>
+          <a:prstGeom prst="rect">
+            <a:avLst/>
+          </a:prstGeom>
+          <a:ln>
+            <a:solidFill>
+              <a:schemeClr val="bg1">
+                <a:lumMod val="50000"/>
+              </a:schemeClr>
+            </a:solidFill>
+          </a:ln>
+        </p:spPr>
+      </p:pic>
+      <p:sp>
+        <p:nvSpPr>
+          <p:cNvPr id="5" name="ZoneTexte 4"/>
+          <p:cNvSpPr txBox="1"/>
+          <p:nvPr/>
+        </p:nvSpPr>
+        <p:spPr>
+          <a:xfrm>
+            <a:off x="1619672" y="3212976"/>
+            <a:ext cx="1619546" cy="369332"/>
+          </a:xfrm>
+          <a:prstGeom prst="rect">
+            <a:avLst/>
+          </a:prstGeom>
+          <a:noFill/>
+        </p:spPr>
+        <p:txBody>
+          <a:bodyPr wrap="none" rtlCol="0">
+            <a:spAutoFit/>
+          </a:bodyPr>
+          <a:lstStyle/>
+          <a:p>
+            <a:r>
+              <a:rPr lang="fr-FR" dirty="0" smtClean="0"/>
+              <a:t>Méthode active</a:t>
+            </a:r>
+            <a:endParaRPr lang="fr-FR" dirty="0"/>
+          </a:p>
+        </p:txBody>
+      </p:sp>
+      <p:sp>
+        <p:nvSpPr>
+          <p:cNvPr id="9" name="ZoneTexte 8"/>
+          <p:cNvSpPr txBox="1"/>
+          <p:nvPr/>
+        </p:nvSpPr>
+        <p:spPr>
+          <a:xfrm>
+            <a:off x="4005868" y="1772816"/>
+            <a:ext cx="843501" cy="1446550"/>
+          </a:xfrm>
+          <a:prstGeom prst="rect">
+            <a:avLst/>
+          </a:prstGeom>
+          <a:noFill/>
+        </p:spPr>
+        <p:txBody>
+          <a:bodyPr wrap="none" rtlCol="0">
+            <a:spAutoFit/>
+          </a:bodyPr>
+          <a:lstStyle/>
+          <a:p>
+            <a:r>
+              <a:rPr lang="fr-FR" sz="8800" dirty="0" smtClean="0"/>
+              <a:t>≠</a:t>
+            </a:r>
+            <a:endParaRPr lang="fr-FR" sz="8800" dirty="0"/>
+          </a:p>
+        </p:txBody>
+      </p:sp>
+      <p:pic>
+        <p:nvPicPr>
+          <p:cNvPr id="10" name="Image 9" descr="camera.jpg"/>
+          <p:cNvPicPr>
+            <a:picLocks noChangeAspect="1"/>
+          </p:cNvPicPr>
+          <p:nvPr/>
+        </p:nvPicPr>
+        <p:blipFill>
+          <a:blip r:embed="rId3" cstate="print"/>
+          <a:stretch>
+            <a:fillRect/>
+          </a:stretch>
+        </p:blipFill>
+        <p:spPr>
+          <a:xfrm>
+            <a:off x="5436096" y="1772816"/>
+            <a:ext cx="1623450" cy="1440000"/>
+          </a:xfrm>
+          <a:prstGeom prst="rect">
+            <a:avLst/>
+          </a:prstGeom>
+          <a:ln>
+            <a:solidFill>
+              <a:schemeClr val="bg1">
+                <a:lumMod val="50000"/>
+              </a:schemeClr>
+            </a:solidFill>
+          </a:ln>
+        </p:spPr>
+      </p:pic>
+      <p:sp>
+        <p:nvSpPr>
+          <p:cNvPr id="11" name="ZoneTexte 10"/>
+          <p:cNvSpPr txBox="1"/>
+          <p:nvPr/>
+        </p:nvSpPr>
+        <p:spPr>
+          <a:xfrm>
+            <a:off x="5364088" y="3212976"/>
+            <a:ext cx="1733360" cy="369332"/>
+          </a:xfrm>
+          <a:prstGeom prst="rect">
+            <a:avLst/>
+          </a:prstGeom>
+          <a:noFill/>
+        </p:spPr>
+        <p:txBody>
+          <a:bodyPr wrap="none" rtlCol="0">
+            <a:spAutoFit/>
+          </a:bodyPr>
+          <a:lstStyle/>
+          <a:p>
+            <a:r>
+              <a:rPr lang="fr-FR" dirty="0" smtClean="0"/>
+              <a:t>Méthode passive</a:t>
+            </a:r>
+            <a:endParaRPr lang="fr-FR" dirty="0"/>
           </a:p>
         </p:txBody>
       </p:sp>
@@ -4643,7 +4817,7 @@
         </p:blipFill>
         <p:spPr>
           <a:xfrm>
-            <a:off x="3707904" y="4653136"/>
+            <a:off x="3779912" y="4653136"/>
             <a:ext cx="1728000" cy="1296000"/>
           </a:xfrm>
           <a:prstGeom prst="rect">
@@ -4674,7 +4848,7 @@
         </p:blipFill>
         <p:spPr>
           <a:xfrm>
-            <a:off x="3707904" y="2636912"/>
+            <a:off x="3779913" y="2636912"/>
             <a:ext cx="1728192" cy="1296144"/>
           </a:xfrm>
           <a:prstGeom prst="rect">
@@ -4790,8 +4964,8 @@
         </p:nvSpPr>
         <p:spPr>
           <a:xfrm>
-            <a:off x="2843808" y="3068960"/>
-            <a:ext cx="792088" cy="432048"/>
+            <a:off x="2879813" y="3068960"/>
+            <a:ext cx="792088" cy="360000"/>
           </a:xfrm>
           <a:prstGeom prst="rightArrow">
             <a:avLst/>
@@ -4830,8 +5004,8 @@
         </p:nvSpPr>
         <p:spPr>
           <a:xfrm>
-            <a:off x="5580112" y="3068960"/>
-            <a:ext cx="792088" cy="432048"/>
+            <a:off x="5616117" y="3068960"/>
+            <a:ext cx="792088" cy="360000"/>
           </a:xfrm>
           <a:prstGeom prst="rightArrow">
             <a:avLst/>
@@ -4870,8 +5044,8 @@
         </p:nvSpPr>
         <p:spPr>
           <a:xfrm>
-            <a:off x="2843808" y="5013176"/>
-            <a:ext cx="792088" cy="432048"/>
+            <a:off x="2879716" y="5085184"/>
+            <a:ext cx="792088" cy="360000"/>
           </a:xfrm>
           <a:prstGeom prst="rightArrow">
             <a:avLst/>
@@ -4910,8 +5084,8 @@
         </p:nvSpPr>
         <p:spPr>
           <a:xfrm>
-            <a:off x="5580112" y="5085184"/>
-            <a:ext cx="792088" cy="432048"/>
+            <a:off x="5616020" y="5085184"/>
+            <a:ext cx="792088" cy="360000"/>
           </a:xfrm>
           <a:prstGeom prst="rightArrow">
             <a:avLst/>
@@ -5070,7 +5244,7 @@
         </p:nvSpPr>
         <p:spPr>
           <a:xfrm>
-            <a:off x="4427984" y="5517232"/>
+            <a:off x="4499992" y="5517232"/>
             <a:ext cx="1584176" cy="307777"/>
           </a:xfrm>
           <a:prstGeom prst="rect">
@@ -5455,79 +5629,6 @@
           <a:chExt cx="0" cy="0"/>
         </a:xfrm>
       </p:grpSpPr>
-      <p:sp>
-        <p:nvSpPr>
-          <p:cNvPr id="2" name="Titre 1"/>
-          <p:cNvSpPr>
-            <a:spLocks noGrp="1"/>
-          </p:cNvSpPr>
-          <p:nvPr>
-            <p:ph type="title"/>
-          </p:nvPr>
-        </p:nvSpPr>
-        <p:spPr/>
-        <p:txBody>
-          <a:bodyPr/>
-          <a:lstStyle/>
-          <a:p>
-            <a:r>
-              <a:rPr lang="fr-FR" dirty="0" smtClean="0"/>
-              <a:t>II. Une représentation en machine</a:t>
-            </a:r>
-            <a:endParaRPr lang="fr-FR" dirty="0"/>
-          </a:p>
-        </p:txBody>
-      </p:sp>
-      <p:sp>
-        <p:nvSpPr>
-          <p:cNvPr id="3" name="Espace réservé du contenu 2"/>
-          <p:cNvSpPr>
-            <a:spLocks noGrp="1"/>
-          </p:cNvSpPr>
-          <p:nvPr>
-            <p:ph sz="quarter" idx="1"/>
-          </p:nvPr>
-        </p:nvSpPr>
-        <p:spPr/>
-        <p:txBody>
-          <a:bodyPr/>
-          <a:lstStyle/>
-          <a:p>
-            <a:r>
-              <a:rPr lang="fr-FR" dirty="0" smtClean="0"/>
-              <a:t>Le « winged edge polyhedron »</a:t>
-            </a:r>
-          </a:p>
-          <a:p>
-            <a:r>
-              <a:rPr lang="fr-FR" dirty="0" smtClean="0"/>
-              <a:t>Stockage en mémoire dissocié:</a:t>
-            </a:r>
-          </a:p>
-          <a:p>
-            <a:pPr lvl="1"/>
-            <a:r>
-              <a:rPr lang="fr-FR" dirty="0" smtClean="0"/>
-              <a:t>Sommets : géométrie</a:t>
-            </a:r>
-          </a:p>
-          <a:p>
-            <a:pPr lvl="1"/>
-            <a:r>
-              <a:rPr lang="fr-FR" dirty="0" smtClean="0"/>
-              <a:t>Arêtes : topologie</a:t>
-            </a:r>
-          </a:p>
-          <a:p>
-            <a:pPr lvl="1"/>
-            <a:r>
-              <a:rPr lang="fr-FR" dirty="0" smtClean="0"/>
-              <a:t>Faces : Photométrie</a:t>
-            </a:r>
-            <a:endParaRPr lang="fr-FR" dirty="0"/>
-          </a:p>
-        </p:txBody>
-      </p:sp>
       <p:pic>
         <p:nvPicPr>
           <p:cNvPr id="4" name="Image 3" descr="WEP.PNG"/>
@@ -5544,7 +5645,7 @@
         </p:blipFill>
         <p:spPr>
           <a:xfrm>
-            <a:off x="4071934" y="2143116"/>
+            <a:off x="4572000" y="2420888"/>
             <a:ext cx="4214842" cy="3576564"/>
           </a:xfrm>
           <a:prstGeom prst="rect">
@@ -5552,6 +5653,92 @@
           </a:prstGeom>
         </p:spPr>
       </p:pic>
+      <p:sp>
+        <p:nvSpPr>
+          <p:cNvPr id="2" name="Titre 1"/>
+          <p:cNvSpPr>
+            <a:spLocks noGrp="1"/>
+          </p:cNvSpPr>
+          <p:nvPr>
+            <p:ph type="title"/>
+          </p:nvPr>
+        </p:nvSpPr>
+        <p:spPr/>
+        <p:txBody>
+          <a:bodyPr/>
+          <a:lstStyle/>
+          <a:p>
+            <a:r>
+              <a:rPr lang="fr-FR" dirty="0" smtClean="0"/>
+              <a:t>II. Une représentation en machine</a:t>
+            </a:r>
+            <a:endParaRPr lang="fr-FR" dirty="0"/>
+          </a:p>
+        </p:txBody>
+      </p:sp>
+      <p:sp>
+        <p:nvSpPr>
+          <p:cNvPr id="3" name="Espace réservé du contenu 2"/>
+          <p:cNvSpPr>
+            <a:spLocks noGrp="1"/>
+          </p:cNvSpPr>
+          <p:nvPr>
+            <p:ph sz="quarter" idx="1"/>
+          </p:nvPr>
+        </p:nvSpPr>
+        <p:spPr/>
+        <p:txBody>
+          <a:bodyPr/>
+          <a:lstStyle/>
+          <a:p>
+            <a:r>
+              <a:rPr lang="fr-FR" dirty="0" smtClean="0"/>
+              <a:t>Le « winged edge polyhedron </a:t>
+            </a:r>
+            <a:r>
+              <a:rPr lang="fr-FR" dirty="0" smtClean="0"/>
+              <a:t>»</a:t>
+            </a:r>
+          </a:p>
+          <a:p>
+            <a:endParaRPr lang="fr-FR" dirty="0" smtClean="0"/>
+          </a:p>
+          <a:p>
+            <a:endParaRPr lang="fr-FR" dirty="0" smtClean="0"/>
+          </a:p>
+          <a:p>
+            <a:endParaRPr lang="fr-FR" dirty="0" smtClean="0"/>
+          </a:p>
+          <a:p>
+            <a:r>
+              <a:rPr lang="fr-FR" dirty="0" smtClean="0"/>
+              <a:t>Stockage en mémoire dissocié:</a:t>
+            </a:r>
+          </a:p>
+          <a:p>
+            <a:pPr lvl="1"/>
+            <a:r>
+              <a:rPr lang="fr-FR" dirty="0" smtClean="0"/>
+              <a:t>Sommets : géométrie</a:t>
+            </a:r>
+          </a:p>
+          <a:p>
+            <a:pPr lvl="1"/>
+            <a:r>
+              <a:rPr lang="fr-FR" dirty="0" smtClean="0"/>
+              <a:t>Arêtes : topologie</a:t>
+            </a:r>
+          </a:p>
+          <a:p>
+            <a:pPr lvl="1"/>
+            <a:r>
+              <a:rPr lang="fr-FR" dirty="0" smtClean="0"/>
+              <a:t>Faces : Photométrie</a:t>
+            </a:r>
+            <a:endParaRPr lang="fr-FR" dirty="0"/>
+          </a:p>
+        </p:txBody>
+      </p:sp>
     </p:spTree>
   </p:cSld>
   <p:clrMapOvr>
@@ -5619,11 +5806,7 @@
           <a:p>
             <a:r>
               <a:rPr lang="fr-FR" dirty="0" smtClean="0"/>
-              <a:t>Trouver les points </a:t>
-            </a:r>
-            <a:r>
-              <a:rPr lang="fr-FR" dirty="0" smtClean="0"/>
-              <a:t>d’intersection</a:t>
+              <a:t>Trouver les points d’intersection</a:t>
             </a:r>
           </a:p>
           <a:p>
@@ -5639,7 +5822,26 @@
               <a:rPr lang="fr-FR" dirty="0" smtClean="0"/>
               <a:t>Test d’inclusion du point d’intersection dans la face (produits vectoriels successifs)</a:t>
             </a:r>
-            <a:endParaRPr lang="fr-FR" dirty="0" smtClean="0"/>
+          </a:p>
+          <a:p>
+            <a:r>
+              <a:rPr lang="fr-FR" dirty="0" smtClean="0"/>
+              <a:t>Reconstruire les arêtes</a:t>
+            </a:r>
+          </a:p>
+          <a:p>
+            <a:pPr lvl="1"/>
+            <a:r>
+              <a:rPr lang="fr-FR" dirty="0" smtClean="0"/>
+              <a:t>Les arêtes intérieures forment des graphes</a:t>
+            </a:r>
+          </a:p>
+          <a:p>
+            <a:pPr lvl="1"/>
+            <a:r>
+              <a:rPr lang="fr-FR" dirty="0" smtClean="0"/>
+              <a:t>Les arêtes de surface forment des boucles</a:t>
+            </a:r>
           </a:p>
           <a:p>
             <a:r>
@@ -5648,28 +5850,14 @@
             </a:r>
             <a:r>
               <a:rPr lang="fr-FR" dirty="0" smtClean="0"/>
-              <a:t>arêtes</a:t>
+              <a:t>faces</a:t>
             </a:r>
           </a:p>
           <a:p>
             <a:pPr lvl="1"/>
             <a:r>
               <a:rPr lang="fr-FR" dirty="0" smtClean="0"/>
-              <a:t>Les arêtes intérieures forment des graphes</a:t>
-            </a:r>
-          </a:p>
-          <a:p>
-            <a:pPr lvl="1"/>
-            <a:r>
-              <a:rPr lang="fr-FR" dirty="0" smtClean="0"/>
-              <a:t>Les arêtes de surface forment des boucles</a:t>
-            </a:r>
-            <a:endParaRPr lang="fr-FR" dirty="0" smtClean="0"/>
-          </a:p>
-          <a:p>
-            <a:r>
-              <a:rPr lang="fr-FR" dirty="0" smtClean="0"/>
-              <a:t>Reconstruire les faces</a:t>
+              <a:t>Itération sur les anciennes faces</a:t>
             </a:r>
             <a:endParaRPr lang="fr-FR" dirty="0"/>
           </a:p>
@@ -5757,13 +5945,8 @@
           <a:p>
             <a:r>
               <a:rPr lang="fr-FR" dirty="0" smtClean="0"/>
-              <a:t>Des choix à </a:t>
-            </a:r>
-            <a:r>
-              <a:rPr lang="fr-FR" dirty="0" smtClean="0"/>
-              <a:t>double tranchant</a:t>
-            </a:r>
-            <a:endParaRPr lang="fr-FR" dirty="0" smtClean="0"/>
+              <a:t>Des choix à double tranchant</a:t>
+            </a:r>
           </a:p>
           <a:p>
             <a:endParaRPr lang="fr-FR" dirty="0" smtClean="0"/>

--- a/livrables/Oral/Presentation_Tim.pptx
+++ b/livrables/Oral/Presentation_Tim.pptx
@@ -5,18 +5,19 @@
     <p:sldMasterId id="2147483684" r:id="rId1"/>
   </p:sldMasterIdLst>
   <p:notesMasterIdLst>
-    <p:notesMasterId r:id="rId11"/>
+    <p:notesMasterId r:id="rId12"/>
   </p:notesMasterIdLst>
   <p:sldIdLst>
     <p:sldId id="256" r:id="rId2"/>
     <p:sldId id="257" r:id="rId3"/>
     <p:sldId id="258" r:id="rId4"/>
     <p:sldId id="265" r:id="rId5"/>
-    <p:sldId id="259" r:id="rId6"/>
-    <p:sldId id="261" r:id="rId7"/>
-    <p:sldId id="262" r:id="rId8"/>
-    <p:sldId id="263" r:id="rId9"/>
-    <p:sldId id="264" r:id="rId10"/>
+    <p:sldId id="266" r:id="rId6"/>
+    <p:sldId id="259" r:id="rId7"/>
+    <p:sldId id="261" r:id="rId8"/>
+    <p:sldId id="262" r:id="rId9"/>
+    <p:sldId id="263" r:id="rId10"/>
+    <p:sldId id="264" r:id="rId11"/>
   </p:sldIdLst>
   <p:sldSz cx="9144000" cy="6858000" type="screen4x3"/>
   <p:notesSz cx="6858000" cy="9144000"/>
@@ -4313,6 +4314,110 @@
 </p:sld>
 </file>
 
+<file path=ppt/slides/slide10.xml><?xml version="1.0" encoding="utf-8"?>
+<p:sld xmlns:a="http://schemas.openxmlformats.org/drawingml/2006/main" xmlns:r="http://schemas.openxmlformats.org/officeDocument/2006/relationships" xmlns:p="http://schemas.openxmlformats.org/presentationml/2006/main">
+  <p:cSld>
+    <p:spTree>
+      <p:nvGrpSpPr>
+        <p:cNvPr id="1" name=""/>
+        <p:cNvGrpSpPr/>
+        <p:nvPr/>
+      </p:nvGrpSpPr>
+      <p:grpSpPr>
+        <a:xfrm>
+          <a:off x="0" y="0"/>
+          <a:ext cx="0" cy="0"/>
+          <a:chOff x="0" y="0"/>
+          <a:chExt cx="0" cy="0"/>
+        </a:xfrm>
+      </p:grpSpPr>
+      <p:sp>
+        <p:nvSpPr>
+          <p:cNvPr id="2" name="Titre 1"/>
+          <p:cNvSpPr>
+            <a:spLocks noGrp="1"/>
+          </p:cNvSpPr>
+          <p:nvPr>
+            <p:ph type="title"/>
+          </p:nvPr>
+        </p:nvSpPr>
+        <p:spPr/>
+        <p:txBody>
+          <a:bodyPr>
+            <a:normAutofit/>
+          </a:bodyPr>
+          <a:lstStyle/>
+          <a:p>
+            <a:r>
+              <a:rPr lang="fr-FR" dirty="0" smtClean="0"/>
+              <a:t>Des résultats</a:t>
+            </a:r>
+            <a:endParaRPr lang="fr-FR" dirty="0"/>
+          </a:p>
+        </p:txBody>
+      </p:sp>
+      <p:sp>
+        <p:nvSpPr>
+          <p:cNvPr id="3" name="Espace réservé du contenu 2"/>
+          <p:cNvSpPr>
+            <a:spLocks noGrp="1"/>
+          </p:cNvSpPr>
+          <p:nvPr>
+            <p:ph sz="quarter" idx="1"/>
+          </p:nvPr>
+        </p:nvSpPr>
+        <p:spPr/>
+        <p:txBody>
+          <a:bodyPr/>
+          <a:lstStyle/>
+          <a:p>
+            <a:r>
+              <a:rPr lang="fr-FR" dirty="0" smtClean="0"/>
+              <a:t>Un algorithme qui marche,  mais assez lent.</a:t>
+            </a:r>
+            <a:endParaRPr lang="fr-FR" dirty="0" smtClean="0"/>
+          </a:p>
+          <a:p>
+            <a:endParaRPr lang="fr-FR" dirty="0" smtClean="0"/>
+          </a:p>
+          <a:p>
+            <a:endParaRPr lang="fr-FR" dirty="0" smtClean="0"/>
+          </a:p>
+          <a:p>
+            <a:endParaRPr lang="fr-FR" dirty="0" smtClean="0"/>
+          </a:p>
+          <a:p>
+            <a:r>
+              <a:rPr lang="fr-FR" dirty="0" smtClean="0"/>
+              <a:t>Des choix à double tranchant</a:t>
+            </a:r>
+          </a:p>
+          <a:p>
+            <a:endParaRPr lang="fr-FR" dirty="0" smtClean="0"/>
+          </a:p>
+          <a:p>
+            <a:endParaRPr lang="fr-FR" dirty="0" smtClean="0"/>
+          </a:p>
+          <a:p>
+            <a:endParaRPr lang="fr-FR" dirty="0" smtClean="0"/>
+          </a:p>
+          <a:p>
+            <a:r>
+              <a:rPr lang="fr-FR" dirty="0" smtClean="0"/>
+              <a:t>Comment améliorer l’efficacité ?</a:t>
+            </a:r>
+            <a:endParaRPr lang="fr-FR" dirty="0"/>
+          </a:p>
+        </p:txBody>
+      </p:sp>
+    </p:spTree>
+  </p:cSld>
+  <p:clrMapOvr>
+    <a:masterClrMapping/>
+  </p:clrMapOvr>
+</p:sld>
+</file>
+
 <file path=ppt/slides/slide2.xml><?xml version="1.0" encoding="utf-8"?>
 <p:sld xmlns:a="http://schemas.openxmlformats.org/drawingml/2006/main" xmlns:r="http://schemas.openxmlformats.org/officeDocument/2006/relationships" xmlns:p="http://schemas.openxmlformats.org/presentationml/2006/main">
   <p:cSld>
@@ -4381,7 +4486,29 @@
             </a:pPr>
             <a:r>
               <a:rPr lang="fr-FR" dirty="0" smtClean="0"/>
-              <a:t>Un choix de méthode : l’enveloppe visuelle</a:t>
+              <a:t>Un choix de méthode : l’enveloppe </a:t>
+            </a:r>
+            <a:r>
+              <a:rPr lang="fr-FR" dirty="0" smtClean="0"/>
+              <a:t>visuelle</a:t>
+            </a:r>
+          </a:p>
+          <a:p>
+            <a:pPr marL="845820" lvl="1" indent="-571500">
+              <a:buNone/>
+            </a:pPr>
+            <a:r>
+              <a:rPr lang="fr-FR" dirty="0" smtClean="0"/>
+              <a:t>	Qu’est-ce qu’une enveloppe visuelle ?</a:t>
+            </a:r>
+          </a:p>
+          <a:p>
+            <a:pPr marL="845820" lvl="1" indent="-571500">
+              <a:buNone/>
+            </a:pPr>
+            <a:r>
+              <a:rPr lang="fr-FR" dirty="0" smtClean="0"/>
+              <a:t>	</a:t>
             </a:r>
           </a:p>
           <a:p>
@@ -4502,9 +4629,19 @@
             <a:endParaRPr lang="fr-FR" dirty="0" smtClean="0"/>
           </a:p>
           <a:p>
+            <a:pPr>
+              <a:buNone/>
+            </a:pPr>
+            <a:endParaRPr lang="fr-FR" dirty="0" smtClean="0"/>
+          </a:p>
+          <a:p>
             <a:r>
               <a:rPr lang="fr-FR" dirty="0" smtClean="0"/>
-              <a:t>Une méthode de </a:t>
+              <a:t>Une </a:t>
+            </a:r>
+            <a:r>
+              <a:rPr lang="fr-FR" dirty="0" smtClean="0"/>
+              <a:t>méthode de </a:t>
             </a:r>
             <a:r>
               <a:rPr lang="fr-FR" dirty="0" smtClean="0"/>
@@ -4512,14 +4649,13 @@
             </a:r>
           </a:p>
           <a:p>
+            <a:endParaRPr lang="fr-FR" dirty="0" smtClean="0"/>
+          </a:p>
+          <a:p>
             <a:pPr lvl="1"/>
             <a:r>
               <a:rPr lang="fr-FR" dirty="0" smtClean="0"/>
-              <a:t>Les motifs ne sont </a:t>
-            </a:r>
-            <a:r>
-              <a:rPr lang="fr-FR" smtClean="0"/>
-              <a:t>pas utilisés</a:t>
+              <a:t>Les motifs ne sont pas utilisés</a:t>
             </a:r>
             <a:endParaRPr lang="fr-FR" dirty="0" smtClean="0"/>
           </a:p>
@@ -5334,17 +5470,13 @@
         <p:spPr/>
         <p:txBody>
           <a:bodyPr>
-            <a:normAutofit fontScale="90000"/>
+            <a:normAutofit/>
           </a:bodyPr>
           <a:lstStyle/>
           <a:p>
             <a:r>
-              <a:rPr lang="fr-FR" dirty="0" err="1" smtClean="0"/>
-              <a:t>A.La</a:t>
-            </a:r>
-            <a:r>
               <a:rPr lang="fr-FR" dirty="0" smtClean="0"/>
-              <a:t> détection et segmentation des contours</a:t>
+              <a:t>Une démonstration dans un cas idéal</a:t>
             </a:r>
             <a:endParaRPr lang="fr-FR" dirty="0"/>
           </a:p>
@@ -5365,121 +5497,40 @@
           <a:bodyPr/>
           <a:lstStyle/>
           <a:p>
+            <a:endParaRPr lang="fr-FR" dirty="0" smtClean="0"/>
+          </a:p>
+          <a:p>
+            <a:endParaRPr lang="fr-FR" dirty="0" smtClean="0"/>
+          </a:p>
+          <a:p>
             <a:r>
               <a:rPr lang="fr-FR" dirty="0" smtClean="0"/>
-              <a:t>Permet d’obtenir une image ne présentant que des contours</a:t>
-            </a:r>
-          </a:p>
-          <a:p>
+              <a:t>Si on dispose de tous les points de vues situés sur une sphère englobant l’objet, </a:t>
+            </a:r>
+          </a:p>
+          <a:p>
+            <a:pPr>
+              <a:buNone/>
+            </a:pPr>
             <a:r>
               <a:rPr lang="fr-FR" dirty="0" smtClean="0"/>
-              <a:t>Nombreuses méthodes : par exemple, un gradient discret	</a:t>
-            </a:r>
-          </a:p>
-          <a:p>
+              <a:t>	</a:t>
+            </a:r>
+            <a:endParaRPr lang="fr-FR" dirty="0" smtClean="0"/>
+          </a:p>
+          <a:p>
+            <a:pPr>
+              <a:buNone/>
+            </a:pPr>
+            <a:r>
+              <a:rPr lang="fr-FR" dirty="0" smtClean="0"/>
+              <a:t>	</a:t>
+            </a:r>
+            <a:r>
+              <a:rPr lang="fr-FR" dirty="0" smtClean="0"/>
+              <a:t>Alors l’enveloppe visuelle calculée est incluse dans l’enveloppe convexe</a:t>
+            </a:r>
             <a:endParaRPr lang="fr-FR" dirty="0"/>
-          </a:p>
-        </p:txBody>
-      </p:sp>
-      <p:pic>
-        <p:nvPicPr>
-          <p:cNvPr id="6" name="Image 5" descr="roller.png"/>
-          <p:cNvPicPr>
-            <a:picLocks noChangeAspect="1"/>
-          </p:cNvPicPr>
-          <p:nvPr/>
-        </p:nvPicPr>
-        <p:blipFill>
-          <a:blip r:embed="rId2" cstate="print"/>
-          <a:stretch>
-            <a:fillRect/>
-          </a:stretch>
-        </p:blipFill>
-        <p:spPr>
-          <a:xfrm>
-            <a:off x="683568" y="2708920"/>
-            <a:ext cx="3024336" cy="3024336"/>
-          </a:xfrm>
-          <a:prstGeom prst="rect">
-            <a:avLst/>
-          </a:prstGeom>
-          <a:ln>
-            <a:solidFill>
-              <a:schemeClr val="bg1">
-                <a:lumMod val="50000"/>
-              </a:schemeClr>
-            </a:solidFill>
-          </a:ln>
-        </p:spPr>
-      </p:pic>
-      <p:pic>
-        <p:nvPicPr>
-          <p:cNvPr id="7" name="Image 6" descr="roller_contour.jpg"/>
-          <p:cNvPicPr>
-            <a:picLocks noChangeAspect="1"/>
-          </p:cNvPicPr>
-          <p:nvPr/>
-        </p:nvPicPr>
-        <p:blipFill>
-          <a:blip r:embed="rId3" cstate="print"/>
-          <a:stretch>
-            <a:fillRect/>
-          </a:stretch>
-        </p:blipFill>
-        <p:spPr>
-          <a:xfrm>
-            <a:off x="5436096" y="2708920"/>
-            <a:ext cx="3024000" cy="3024000"/>
-          </a:xfrm>
-          <a:prstGeom prst="rect">
-            <a:avLst/>
-          </a:prstGeom>
-          <a:ln>
-            <a:solidFill>
-              <a:schemeClr val="bg1">
-                <a:lumMod val="50000"/>
-              </a:schemeClr>
-            </a:solidFill>
-          </a:ln>
-        </p:spPr>
-      </p:pic>
-      <p:sp>
-        <p:nvSpPr>
-          <p:cNvPr id="8" name="Flèche droite 7"/>
-          <p:cNvSpPr/>
-          <p:nvPr/>
-        </p:nvSpPr>
-        <p:spPr>
-          <a:xfrm>
-            <a:off x="3851920" y="3789040"/>
-            <a:ext cx="1512168" cy="576064"/>
-          </a:xfrm>
-          <a:prstGeom prst="rightArrow">
-            <a:avLst/>
-          </a:prstGeom>
-        </p:spPr>
-        <p:style>
-          <a:lnRef idx="2">
-            <a:schemeClr val="accent1">
-              <a:shade val="50000"/>
-            </a:schemeClr>
-          </a:lnRef>
-          <a:fillRef idx="1">
-            <a:schemeClr val="accent1"/>
-          </a:fillRef>
-          <a:effectRef idx="0">
-            <a:schemeClr val="accent1"/>
-          </a:effectRef>
-          <a:fontRef idx="minor">
-            <a:schemeClr val="lt1"/>
-          </a:fontRef>
-        </p:style>
-        <p:txBody>
-          <a:bodyPr rtlCol="0" anchor="ctr"/>
-          <a:lstStyle/>
-          <a:p>
-            <a:pPr algn="ctr"/>
-            <a:endParaRPr lang="fr-FR"/>
           </a:p>
         </p:txBody>
       </p:sp>
@@ -5521,6 +5572,193 @@
         <p:spPr/>
         <p:txBody>
           <a:bodyPr>
+            <a:normAutofit fontScale="90000"/>
+          </a:bodyPr>
+          <a:lstStyle/>
+          <a:p>
+            <a:r>
+              <a:rPr lang="fr-FR" dirty="0" err="1" smtClean="0"/>
+              <a:t>A.La</a:t>
+            </a:r>
+            <a:r>
+              <a:rPr lang="fr-FR" dirty="0" smtClean="0"/>
+              <a:t> détection et segmentation des contours</a:t>
+            </a:r>
+            <a:endParaRPr lang="fr-FR" dirty="0"/>
+          </a:p>
+        </p:txBody>
+      </p:sp>
+      <p:sp>
+        <p:nvSpPr>
+          <p:cNvPr id="3" name="Espace réservé du contenu 2"/>
+          <p:cNvSpPr>
+            <a:spLocks noGrp="1"/>
+          </p:cNvSpPr>
+          <p:nvPr>
+            <p:ph sz="quarter" idx="1"/>
+          </p:nvPr>
+        </p:nvSpPr>
+        <p:spPr/>
+        <p:txBody>
+          <a:bodyPr/>
+          <a:lstStyle/>
+          <a:p>
+            <a:r>
+              <a:rPr lang="fr-FR" dirty="0" smtClean="0"/>
+              <a:t>Permet d’obtenir une image ne présentant que des contours</a:t>
+            </a:r>
+          </a:p>
+          <a:p>
+            <a:r>
+              <a:rPr lang="fr-FR" dirty="0" smtClean="0"/>
+              <a:t>Nombreuses méthodes : par exemple, un gradient discret	</a:t>
+            </a:r>
+          </a:p>
+          <a:p>
+            <a:endParaRPr lang="fr-FR" dirty="0"/>
+          </a:p>
+        </p:txBody>
+      </p:sp>
+      <p:pic>
+        <p:nvPicPr>
+          <p:cNvPr id="6" name="Image 5" descr="roller.png"/>
+          <p:cNvPicPr>
+            <a:picLocks noChangeAspect="1"/>
+          </p:cNvPicPr>
+          <p:nvPr/>
+        </p:nvPicPr>
+        <p:blipFill>
+          <a:blip r:embed="rId2" cstate="print"/>
+          <a:stretch>
+            <a:fillRect/>
+          </a:stretch>
+        </p:blipFill>
+        <p:spPr>
+          <a:xfrm>
+            <a:off x="683568" y="2708920"/>
+            <a:ext cx="3024336" cy="3024336"/>
+          </a:xfrm>
+          <a:prstGeom prst="rect">
+            <a:avLst/>
+          </a:prstGeom>
+          <a:ln>
+            <a:solidFill>
+              <a:schemeClr val="bg1">
+                <a:lumMod val="50000"/>
+              </a:schemeClr>
+            </a:solidFill>
+          </a:ln>
+        </p:spPr>
+      </p:pic>
+      <p:pic>
+        <p:nvPicPr>
+          <p:cNvPr id="7" name="Image 6" descr="roller_contour.jpg"/>
+          <p:cNvPicPr>
+            <a:picLocks noChangeAspect="1"/>
+          </p:cNvPicPr>
+          <p:nvPr/>
+        </p:nvPicPr>
+        <p:blipFill>
+          <a:blip r:embed="rId3" cstate="print"/>
+          <a:stretch>
+            <a:fillRect/>
+          </a:stretch>
+        </p:blipFill>
+        <p:spPr>
+          <a:xfrm>
+            <a:off x="5436096" y="2708920"/>
+            <a:ext cx="3024000" cy="3024000"/>
+          </a:xfrm>
+          <a:prstGeom prst="rect">
+            <a:avLst/>
+          </a:prstGeom>
+          <a:ln>
+            <a:solidFill>
+              <a:schemeClr val="bg1">
+                <a:lumMod val="50000"/>
+              </a:schemeClr>
+            </a:solidFill>
+          </a:ln>
+        </p:spPr>
+      </p:pic>
+      <p:sp>
+        <p:nvSpPr>
+          <p:cNvPr id="8" name="Flèche droite 7"/>
+          <p:cNvSpPr/>
+          <p:nvPr/>
+        </p:nvSpPr>
+        <p:spPr>
+          <a:xfrm>
+            <a:off x="3851920" y="3789040"/>
+            <a:ext cx="1512168" cy="576064"/>
+          </a:xfrm>
+          <a:prstGeom prst="rightArrow">
+            <a:avLst/>
+          </a:prstGeom>
+        </p:spPr>
+        <p:style>
+          <a:lnRef idx="2">
+            <a:schemeClr val="accent1">
+              <a:shade val="50000"/>
+            </a:schemeClr>
+          </a:lnRef>
+          <a:fillRef idx="1">
+            <a:schemeClr val="accent1"/>
+          </a:fillRef>
+          <a:effectRef idx="0">
+            <a:schemeClr val="accent1"/>
+          </a:effectRef>
+          <a:fontRef idx="minor">
+            <a:schemeClr val="lt1"/>
+          </a:fontRef>
+        </p:style>
+        <p:txBody>
+          <a:bodyPr rtlCol="0" anchor="ctr"/>
+          <a:lstStyle/>
+          <a:p>
+            <a:pPr algn="ctr"/>
+            <a:endParaRPr lang="fr-FR"/>
+          </a:p>
+        </p:txBody>
+      </p:sp>
+    </p:spTree>
+  </p:cSld>
+  <p:clrMapOvr>
+    <a:masterClrMapping/>
+  </p:clrMapOvr>
+</p:sld>
+</file>
+
+<file path=ppt/slides/slide7.xml><?xml version="1.0" encoding="utf-8"?>
+<p:sld xmlns:a="http://schemas.openxmlformats.org/drawingml/2006/main" xmlns:r="http://schemas.openxmlformats.org/officeDocument/2006/relationships" xmlns:p="http://schemas.openxmlformats.org/presentationml/2006/main">
+  <p:cSld>
+    <p:spTree>
+      <p:nvGrpSpPr>
+        <p:cNvPr id="1" name=""/>
+        <p:cNvGrpSpPr/>
+        <p:nvPr/>
+      </p:nvGrpSpPr>
+      <p:grpSpPr>
+        <a:xfrm>
+          <a:off x="0" y="0"/>
+          <a:ext cx="0" cy="0"/>
+          <a:chOff x="0" y="0"/>
+          <a:chExt cx="0" cy="0"/>
+        </a:xfrm>
+      </p:grpSpPr>
+      <p:sp>
+        <p:nvSpPr>
+          <p:cNvPr id="2" name="Titre 1"/>
+          <p:cNvSpPr>
+            <a:spLocks noGrp="1"/>
+          </p:cNvSpPr>
+          <p:nvPr>
+            <p:ph type="title"/>
+          </p:nvPr>
+        </p:nvSpPr>
+        <p:spPr/>
+        <p:txBody>
+          <a:bodyPr>
             <a:normAutofit/>
           </a:bodyPr>
           <a:lstStyle/>
@@ -5550,7 +5788,49 @@
           <a:p>
             <a:r>
               <a:rPr lang="fr-FR" dirty="0" smtClean="0"/>
-              <a:t>A partir des silhouettes, l’enveloppe visuelle est reconstruite</a:t>
+              <a:t>A partir des silhouettes, l’enveloppe visuelle est </a:t>
+            </a:r>
+            <a:r>
+              <a:rPr lang="fr-FR" dirty="0" smtClean="0"/>
+              <a:t>reconstruite</a:t>
+            </a:r>
+          </a:p>
+          <a:p>
+            <a:pPr lvl="1"/>
+            <a:r>
+              <a:rPr lang="fr-FR" dirty="0" smtClean="0"/>
+              <a:t>On construit les cônes :</a:t>
+            </a:r>
+          </a:p>
+          <a:p>
+            <a:pPr lvl="1"/>
+            <a:endParaRPr lang="fr-FR" dirty="0" smtClean="0"/>
+          </a:p>
+          <a:p>
+            <a:pPr lvl="1"/>
+            <a:endParaRPr lang="fr-FR" dirty="0" smtClean="0"/>
+          </a:p>
+          <a:p>
+            <a:pPr lvl="1"/>
+            <a:endParaRPr lang="fr-FR" dirty="0" smtClean="0"/>
+          </a:p>
+          <a:p>
+            <a:pPr lvl="1"/>
+            <a:endParaRPr lang="fr-FR" dirty="0" smtClean="0"/>
+          </a:p>
+          <a:p>
+            <a:pPr lvl="1"/>
+            <a:endParaRPr lang="fr-FR" dirty="0" smtClean="0"/>
+          </a:p>
+          <a:p>
+            <a:pPr lvl="1"/>
+            <a:endParaRPr lang="fr-FR" dirty="0" smtClean="0"/>
+          </a:p>
+          <a:p>
+            <a:pPr lvl="1"/>
+            <a:r>
+              <a:rPr lang="fr-FR" dirty="0" smtClean="0"/>
+              <a:t>On calcule l’intersection des cônes construits</a:t>
             </a:r>
             <a:endParaRPr lang="fr-FR" dirty="0"/>
           </a:p>
@@ -5572,7 +5852,7 @@
         </p:blipFill>
         <p:spPr>
           <a:xfrm>
-            <a:off x="4643438" y="2000240"/>
+            <a:off x="4644008" y="2060848"/>
             <a:ext cx="3810716" cy="2989946"/>
           </a:xfrm>
           <a:prstGeom prst="rect">
@@ -5596,7 +5876,7 @@
         </p:blipFill>
         <p:spPr>
           <a:xfrm>
-            <a:off x="785786" y="2428868"/>
+            <a:off x="827584" y="2564904"/>
             <a:ext cx="3604034" cy="2157780"/>
           </a:xfrm>
           <a:prstGeom prst="rect">
@@ -5612,7 +5892,7 @@
 </p:sld>
 </file>
 
-<file path=ppt/slides/slide7.xml><?xml version="1.0" encoding="utf-8"?>
+<file path=ppt/slides/slide8.xml><?xml version="1.0" encoding="utf-8"?>
 <p:sld xmlns:a="http://schemas.openxmlformats.org/drawingml/2006/main" xmlns:r="http://schemas.openxmlformats.org/officeDocument/2006/relationships" xmlns:p="http://schemas.openxmlformats.org/presentationml/2006/main">
   <p:cSld>
     <p:spTree>
@@ -5747,130 +6027,6 @@
 </p:sld>
 </file>
 
-<file path=ppt/slides/slide8.xml><?xml version="1.0" encoding="utf-8"?>
-<p:sld xmlns:a="http://schemas.openxmlformats.org/drawingml/2006/main" xmlns:r="http://schemas.openxmlformats.org/officeDocument/2006/relationships" xmlns:p="http://schemas.openxmlformats.org/presentationml/2006/main">
-  <p:cSld>
-    <p:spTree>
-      <p:nvGrpSpPr>
-        <p:cNvPr id="1" name=""/>
-        <p:cNvGrpSpPr/>
-        <p:nvPr/>
-      </p:nvGrpSpPr>
-      <p:grpSpPr>
-        <a:xfrm>
-          <a:off x="0" y="0"/>
-          <a:ext cx="0" cy="0"/>
-          <a:chOff x="0" y="0"/>
-          <a:chExt cx="0" cy="0"/>
-        </a:xfrm>
-      </p:grpSpPr>
-      <p:sp>
-        <p:nvSpPr>
-          <p:cNvPr id="2" name="Titre 1"/>
-          <p:cNvSpPr>
-            <a:spLocks noGrp="1"/>
-          </p:cNvSpPr>
-          <p:nvPr>
-            <p:ph type="title"/>
-          </p:nvPr>
-        </p:nvSpPr>
-        <p:spPr/>
-        <p:txBody>
-          <a:bodyPr/>
-          <a:lstStyle/>
-          <a:p>
-            <a:r>
-              <a:rPr lang="fr-FR" dirty="0" smtClean="0"/>
-              <a:t>Un algorithme d’intersection</a:t>
-            </a:r>
-            <a:endParaRPr lang="fr-FR" dirty="0"/>
-          </a:p>
-        </p:txBody>
-      </p:sp>
-      <p:sp>
-        <p:nvSpPr>
-          <p:cNvPr id="3" name="Espace réservé du contenu 2"/>
-          <p:cNvSpPr>
-            <a:spLocks noGrp="1"/>
-          </p:cNvSpPr>
-          <p:nvPr>
-            <p:ph sz="quarter" idx="1"/>
-          </p:nvPr>
-        </p:nvSpPr>
-        <p:spPr/>
-        <p:txBody>
-          <a:bodyPr>
-            <a:normAutofit/>
-          </a:bodyPr>
-          <a:lstStyle/>
-          <a:p>
-            <a:r>
-              <a:rPr lang="fr-FR" dirty="0" smtClean="0"/>
-              <a:t>Trouver les points d’intersection</a:t>
-            </a:r>
-          </a:p>
-          <a:p>
-            <a:pPr lvl="1"/>
-            <a:r>
-              <a:rPr lang="fr-FR" dirty="0" smtClean="0"/>
-              <a:t>Test d’intersection du segment avec le plan de la face</a:t>
-            </a:r>
-          </a:p>
-          <a:p>
-            <a:pPr lvl="1"/>
-            <a:r>
-              <a:rPr lang="fr-FR" dirty="0" smtClean="0"/>
-              <a:t>Test d’inclusion du point d’intersection dans la face (produits vectoriels successifs)</a:t>
-            </a:r>
-          </a:p>
-          <a:p>
-            <a:r>
-              <a:rPr lang="fr-FR" dirty="0" smtClean="0"/>
-              <a:t>Reconstruire les arêtes</a:t>
-            </a:r>
-          </a:p>
-          <a:p>
-            <a:pPr lvl="1"/>
-            <a:r>
-              <a:rPr lang="fr-FR" dirty="0" smtClean="0"/>
-              <a:t>Les arêtes intérieures forment des graphes</a:t>
-            </a:r>
-          </a:p>
-          <a:p>
-            <a:pPr lvl="1"/>
-            <a:r>
-              <a:rPr lang="fr-FR" dirty="0" smtClean="0"/>
-              <a:t>Les arêtes de surface forment des boucles</a:t>
-            </a:r>
-          </a:p>
-          <a:p>
-            <a:r>
-              <a:rPr lang="fr-FR" dirty="0" smtClean="0"/>
-              <a:t>Reconstruire les </a:t>
-            </a:r>
-            <a:r>
-              <a:rPr lang="fr-FR" dirty="0" smtClean="0"/>
-              <a:t>faces</a:t>
-            </a:r>
-          </a:p>
-          <a:p>
-            <a:pPr lvl="1"/>
-            <a:r>
-              <a:rPr lang="fr-FR" dirty="0" smtClean="0"/>
-              <a:t>Itération sur les anciennes faces</a:t>
-            </a:r>
-            <a:endParaRPr lang="fr-FR" dirty="0"/>
-          </a:p>
-        </p:txBody>
-      </p:sp>
-    </p:spTree>
-  </p:cSld>
-  <p:clrMapOvr>
-    <a:masterClrMapping/>
-  </p:clrMapOvr>
-</p:sld>
-</file>
-
 <file path=ppt/slides/slide9.xml><?xml version="1.0" encoding="utf-8"?>
 <p:sld xmlns:a="http://schemas.openxmlformats.org/drawingml/2006/main" xmlns:r="http://schemas.openxmlformats.org/officeDocument/2006/relationships" xmlns:p="http://schemas.openxmlformats.org/presentationml/2006/main">
   <p:cSld>
@@ -5900,6 +6056,29 @@
         </p:nvSpPr>
         <p:spPr/>
         <p:txBody>
+          <a:bodyPr/>
+          <a:lstStyle/>
+          <a:p>
+            <a:r>
+              <a:rPr lang="fr-FR" dirty="0" smtClean="0"/>
+              <a:t>Un algorithme d’intersection</a:t>
+            </a:r>
+            <a:endParaRPr lang="fr-FR" dirty="0"/>
+          </a:p>
+        </p:txBody>
+      </p:sp>
+      <p:sp>
+        <p:nvSpPr>
+          <p:cNvPr id="3" name="Espace réservé du contenu 2"/>
+          <p:cNvSpPr>
+            <a:spLocks noGrp="1"/>
+          </p:cNvSpPr>
+          <p:nvPr>
+            <p:ph sz="quarter" idx="1"/>
+          </p:nvPr>
+        </p:nvSpPr>
+        <p:spPr/>
+        <p:txBody>
           <a:bodyPr>
             <a:normAutofit/>
           </a:bodyPr>
@@ -5907,60 +6086,58 @@
           <a:p>
             <a:r>
               <a:rPr lang="fr-FR" dirty="0" smtClean="0"/>
-              <a:t>Des résultats</a:t>
-            </a:r>
-            <a:endParaRPr lang="fr-FR" dirty="0"/>
-          </a:p>
-        </p:txBody>
-      </p:sp>
-      <p:sp>
-        <p:nvSpPr>
-          <p:cNvPr id="3" name="Espace réservé du contenu 2"/>
-          <p:cNvSpPr>
-            <a:spLocks noGrp="1"/>
-          </p:cNvSpPr>
-          <p:nvPr>
-            <p:ph sz="quarter" idx="1"/>
-          </p:nvPr>
-        </p:nvSpPr>
-        <p:spPr/>
-        <p:txBody>
-          <a:bodyPr/>
-          <a:lstStyle/>
-          <a:p>
+              <a:t>Trouver les points d’intersection</a:t>
+            </a:r>
+          </a:p>
+          <a:p>
+            <a:pPr lvl="1"/>
             <a:r>
               <a:rPr lang="fr-FR" dirty="0" smtClean="0"/>
-              <a:t>Des algorithmes déjà couteux en temps</a:t>
-            </a:r>
-          </a:p>
-          <a:p>
-            <a:endParaRPr lang="fr-FR" dirty="0" smtClean="0"/>
-          </a:p>
-          <a:p>
-            <a:endParaRPr lang="fr-FR" dirty="0" smtClean="0"/>
-          </a:p>
-          <a:p>
-            <a:endParaRPr lang="fr-FR" dirty="0" smtClean="0"/>
-          </a:p>
-          <a:p>
+              <a:t>Test d’intersection du segment avec le plan de la face</a:t>
+            </a:r>
+          </a:p>
+          <a:p>
+            <a:pPr lvl="1"/>
             <a:r>
               <a:rPr lang="fr-FR" dirty="0" smtClean="0"/>
-              <a:t>Des choix à double tranchant</a:t>
-            </a:r>
-          </a:p>
-          <a:p>
-            <a:endParaRPr lang="fr-FR" dirty="0" smtClean="0"/>
-          </a:p>
-          <a:p>
-            <a:endParaRPr lang="fr-FR" dirty="0" smtClean="0"/>
-          </a:p>
-          <a:p>
-            <a:endParaRPr lang="fr-FR" dirty="0" smtClean="0"/>
+              <a:t>Test d’inclusion du point d’intersection dans la face (produits vectoriels successifs)</a:t>
+            </a:r>
           </a:p>
           <a:p>
             <a:r>
               <a:rPr lang="fr-FR" dirty="0" smtClean="0"/>
-              <a:t>Comment améliorer l’efficacité ?</a:t>
+              <a:t>Reconstruire les arêtes</a:t>
+            </a:r>
+          </a:p>
+          <a:p>
+            <a:pPr lvl="1"/>
+            <a:r>
+              <a:rPr lang="fr-FR" dirty="0" smtClean="0"/>
+              <a:t>Les arêtes intérieures forment des graphes</a:t>
+            </a:r>
+          </a:p>
+          <a:p>
+            <a:pPr lvl="1"/>
+            <a:r>
+              <a:rPr lang="fr-FR" dirty="0" smtClean="0"/>
+              <a:t>Les arêtes de surface forment des boucles</a:t>
+            </a:r>
+          </a:p>
+          <a:p>
+            <a:r>
+              <a:rPr lang="fr-FR" dirty="0" smtClean="0"/>
+              <a:t>Reconstruire les </a:t>
+            </a:r>
+            <a:r>
+              <a:rPr lang="fr-FR" dirty="0" smtClean="0"/>
+              <a:t>faces</a:t>
+            </a:r>
+          </a:p>
+          <a:p>
+            <a:pPr lvl="1"/>
+            <a:r>
+              <a:rPr lang="fr-FR" dirty="0" smtClean="0"/>
+              <a:t>Itération sur les anciennes faces</a:t>
             </a:r>
             <a:endParaRPr lang="fr-FR" dirty="0"/>
           </a:p>
